--- a/ASHG_1.pptx
+++ b/ASHG_1.pptx
@@ -5,7 +5,7 @@
     <p:sldMasterId id="2147483648" r:id="rId1"/>
   </p:sldMasterIdLst>
   <p:notesMasterIdLst>
-    <p:notesMasterId r:id="rId20"/>
+    <p:notesMasterId r:id="rId41"/>
   </p:notesMasterIdLst>
   <p:sldIdLst>
     <p:sldId id="260" r:id="rId2"/>
@@ -26,6 +26,27 @@
     <p:sldId id="282" r:id="rId17"/>
     <p:sldId id="271" r:id="rId18"/>
     <p:sldId id="270" r:id="rId19"/>
+    <p:sldId id="297" r:id="rId20"/>
+    <p:sldId id="285" r:id="rId21"/>
+    <p:sldId id="257" r:id="rId22"/>
+    <p:sldId id="258" r:id="rId23"/>
+    <p:sldId id="259" r:id="rId24"/>
+    <p:sldId id="286" r:id="rId25"/>
+    <p:sldId id="263" r:id="rId26"/>
+    <p:sldId id="261" r:id="rId27"/>
+    <p:sldId id="264" r:id="rId28"/>
+    <p:sldId id="265" r:id="rId29"/>
+    <p:sldId id="298" r:id="rId30"/>
+    <p:sldId id="287" r:id="rId31"/>
+    <p:sldId id="288" r:id="rId32"/>
+    <p:sldId id="289" r:id="rId33"/>
+    <p:sldId id="290" r:id="rId34"/>
+    <p:sldId id="291" r:id="rId35"/>
+    <p:sldId id="292" r:id="rId36"/>
+    <p:sldId id="293" r:id="rId37"/>
+    <p:sldId id="294" r:id="rId38"/>
+    <p:sldId id="295" r:id="rId39"/>
+    <p:sldId id="296" r:id="rId40"/>
   </p:sldIdLst>
   <p:sldSz cx="12192000" cy="6858000"/>
   <p:notesSz cx="6858000" cy="9144000"/>
@@ -5075,6 +5096,99 @@
 </p:sld>
 </file>
 
+<file path=ppt/slides/slide19.xml><?xml version="1.0" encoding="utf-8"?>
+<p:sld xmlns:a="http://schemas.openxmlformats.org/drawingml/2006/main" xmlns:r="http://schemas.openxmlformats.org/officeDocument/2006/relationships" xmlns:p="http://schemas.openxmlformats.org/presentationml/2006/main">
+  <p:cSld>
+    <p:spTree>
+      <p:nvGrpSpPr>
+        <p:cNvPr id="1" name=""/>
+        <p:cNvGrpSpPr/>
+        <p:nvPr/>
+      </p:nvGrpSpPr>
+      <p:grpSpPr>
+        <a:xfrm>
+          <a:off x="0" y="0"/>
+          <a:ext cx="0" cy="0"/>
+          <a:chOff x="0" y="0"/>
+          <a:chExt cx="0" cy="0"/>
+        </a:xfrm>
+      </p:grpSpPr>
+      <p:sp>
+        <p:nvSpPr>
+          <p:cNvPr id="4" name="Title 3">
+            <a:extLst>
+              <a:ext uri="{FF2B5EF4-FFF2-40B4-BE49-F238E27FC236}">
+                <a16:creationId xmlns:a16="http://schemas.microsoft.com/office/drawing/2014/main" id="{8E5779DC-C5C8-4790-94D1-B9E478BFE063}"/>
+              </a:ext>
+            </a:extLst>
+          </p:cNvPr>
+          <p:cNvSpPr>
+            <a:spLocks noGrp="1"/>
+          </p:cNvSpPr>
+          <p:nvPr>
+            <p:ph type="title"/>
+          </p:nvPr>
+        </p:nvSpPr>
+        <p:spPr/>
+        <p:txBody>
+          <a:bodyPr>
+            <a:normAutofit/>
+          </a:bodyPr>
+          <a:lstStyle/>
+          <a:p>
+            <a:r>
+              <a:rPr lang="en-US" dirty="0"/>
+              <a:t>Searching with </a:t>
+            </a:r>
+            <a:r>
+              <a:rPr lang="en-US" dirty="0" err="1"/>
+              <a:t>BigQuery</a:t>
+            </a:r>
+            <a:endParaRPr lang="en-US" dirty="0"/>
+          </a:p>
+        </p:txBody>
+      </p:sp>
+      <p:sp>
+        <p:nvSpPr>
+          <p:cNvPr id="2" name="Text Placeholder 1">
+            <a:extLst>
+              <a:ext uri="{FF2B5EF4-FFF2-40B4-BE49-F238E27FC236}">
+                <a16:creationId xmlns:a16="http://schemas.microsoft.com/office/drawing/2014/main" id="{97BB85FB-B72F-4CED-8D78-745332F31EC2}"/>
+              </a:ext>
+            </a:extLst>
+          </p:cNvPr>
+          <p:cNvSpPr>
+            <a:spLocks noGrp="1"/>
+          </p:cNvSpPr>
+          <p:nvPr>
+            <p:ph type="body" sz="quarter" idx="10"/>
+          </p:nvPr>
+        </p:nvSpPr>
+        <p:spPr/>
+        <p:txBody>
+          <a:bodyPr/>
+          <a:lstStyle/>
+          <a:p>
+            <a:r>
+              <a:rPr lang="en-US" dirty="0"/>
+              <a:t>Adam Stine</a:t>
+            </a:r>
+          </a:p>
+        </p:txBody>
+      </p:sp>
+    </p:spTree>
+    <p:extLst>
+      <p:ext uri="{BB962C8B-B14F-4D97-AF65-F5344CB8AC3E}">
+        <p14:creationId xmlns:p14="http://schemas.microsoft.com/office/powerpoint/2010/main" val="1808878965"/>
+      </p:ext>
+    </p:extLst>
+  </p:cSld>
+  <p:clrMapOvr>
+    <a:masterClrMapping/>
+  </p:clrMapOvr>
+</p:sld>
+</file>
+
 <file path=ppt/slides/slide2.xml><?xml version="1.0" encoding="utf-8"?>
 <p:sld xmlns:a="http://schemas.openxmlformats.org/drawingml/2006/main" xmlns:r="http://schemas.openxmlformats.org/officeDocument/2006/relationships" xmlns:p="http://schemas.openxmlformats.org/presentationml/2006/main">
   <p:cSld>
@@ -5236,6 +5350,1876 @@
     <p:extLst>
       <p:ext uri="{BB962C8B-B14F-4D97-AF65-F5344CB8AC3E}">
         <p14:creationId xmlns:p14="http://schemas.microsoft.com/office/powerpoint/2010/main" val="3339764748"/>
+      </p:ext>
+    </p:extLst>
+  </p:cSld>
+  <p:clrMapOvr>
+    <a:masterClrMapping/>
+  </p:clrMapOvr>
+</p:sld>
+</file>
+
+<file path=ppt/slides/slide20.xml><?xml version="1.0" encoding="utf-8"?>
+<p:sld xmlns:a="http://schemas.openxmlformats.org/drawingml/2006/main" xmlns:r="http://schemas.openxmlformats.org/officeDocument/2006/relationships" xmlns:p="http://schemas.openxmlformats.org/presentationml/2006/main">
+  <p:cSld>
+    <p:spTree>
+      <p:nvGrpSpPr>
+        <p:cNvPr id="1" name=""/>
+        <p:cNvGrpSpPr/>
+        <p:nvPr/>
+      </p:nvGrpSpPr>
+      <p:grpSpPr>
+        <a:xfrm>
+          <a:off x="0" y="0"/>
+          <a:ext cx="0" cy="0"/>
+          <a:chOff x="0" y="0"/>
+          <a:chExt cx="0" cy="0"/>
+        </a:xfrm>
+      </p:grpSpPr>
+      <p:sp>
+        <p:nvSpPr>
+          <p:cNvPr id="2" name="Title 1">
+            <a:extLst>
+              <a:ext uri="{FF2B5EF4-FFF2-40B4-BE49-F238E27FC236}">
+                <a16:creationId xmlns:a16="http://schemas.microsoft.com/office/drawing/2014/main" id="{A87E8BD2-CDD5-45D1-B209-244677911044}"/>
+              </a:ext>
+            </a:extLst>
+          </p:cNvPr>
+          <p:cNvSpPr>
+            <a:spLocks noGrp="1"/>
+          </p:cNvSpPr>
+          <p:nvPr>
+            <p:ph type="title"/>
+          </p:nvPr>
+        </p:nvSpPr>
+        <p:spPr/>
+        <p:txBody>
+          <a:bodyPr/>
+          <a:lstStyle/>
+          <a:p>
+            <a:r>
+              <a:rPr lang="en-US" dirty="0"/>
+              <a:t>Overview</a:t>
+            </a:r>
+          </a:p>
+        </p:txBody>
+      </p:sp>
+      <p:sp>
+        <p:nvSpPr>
+          <p:cNvPr id="3" name="Content Placeholder 2">
+            <a:extLst>
+              <a:ext uri="{FF2B5EF4-FFF2-40B4-BE49-F238E27FC236}">
+                <a16:creationId xmlns:a16="http://schemas.microsoft.com/office/drawing/2014/main" id="{933F1138-EB9F-49A1-A09A-513BC172FFBB}"/>
+              </a:ext>
+            </a:extLst>
+          </p:cNvPr>
+          <p:cNvSpPr>
+            <a:spLocks noGrp="1"/>
+          </p:cNvSpPr>
+          <p:nvPr>
+            <p:ph idx="1"/>
+          </p:nvPr>
+        </p:nvSpPr>
+        <p:spPr/>
+        <p:txBody>
+          <a:bodyPr/>
+          <a:lstStyle/>
+          <a:p>
+            <a:r>
+              <a:rPr lang="en-US" dirty="0"/>
+              <a:t>What is </a:t>
+            </a:r>
+            <a:r>
+              <a:rPr lang="en-US" dirty="0" err="1"/>
+              <a:t>BigQuery</a:t>
+            </a:r>
+            <a:r>
+              <a:rPr lang="en-US" dirty="0"/>
+              <a:t>?</a:t>
+            </a:r>
+          </a:p>
+          <a:p>
+            <a:r>
+              <a:rPr lang="en-US" dirty="0"/>
+              <a:t>Pinning Data in the Console</a:t>
+            </a:r>
+          </a:p>
+          <a:p>
+            <a:r>
+              <a:rPr lang="en-US" dirty="0"/>
+              <a:t>Search SRA Metadata</a:t>
+            </a:r>
+          </a:p>
+          <a:p>
+            <a:r>
+              <a:rPr lang="en-US" dirty="0"/>
+              <a:t>Taxonomy Searches of SRA</a:t>
+            </a:r>
+          </a:p>
+          <a:p>
+            <a:endParaRPr lang="en-US" dirty="0"/>
+          </a:p>
+        </p:txBody>
+      </p:sp>
+    </p:spTree>
+    <p:extLst>
+      <p:ext uri="{BB962C8B-B14F-4D97-AF65-F5344CB8AC3E}">
+        <p14:creationId xmlns:p14="http://schemas.microsoft.com/office/powerpoint/2010/main" val="1988541194"/>
+      </p:ext>
+    </p:extLst>
+  </p:cSld>
+  <p:clrMapOvr>
+    <a:masterClrMapping/>
+  </p:clrMapOvr>
+</p:sld>
+</file>
+
+<file path=ppt/slides/slide21.xml><?xml version="1.0" encoding="utf-8"?>
+<p:sld xmlns:a="http://schemas.openxmlformats.org/drawingml/2006/main" xmlns:r="http://schemas.openxmlformats.org/officeDocument/2006/relationships" xmlns:p="http://schemas.openxmlformats.org/presentationml/2006/main">
+  <p:cSld>
+    <p:spTree>
+      <p:nvGrpSpPr>
+        <p:cNvPr id="1" name=""/>
+        <p:cNvGrpSpPr/>
+        <p:nvPr/>
+      </p:nvGrpSpPr>
+      <p:grpSpPr>
+        <a:xfrm>
+          <a:off x="0" y="0"/>
+          <a:ext cx="0" cy="0"/>
+          <a:chOff x="0" y="0"/>
+          <a:chExt cx="0" cy="0"/>
+        </a:xfrm>
+      </p:grpSpPr>
+      <p:sp>
+        <p:nvSpPr>
+          <p:cNvPr id="4" name="Title 3">
+            <a:extLst>
+              <a:ext uri="{FF2B5EF4-FFF2-40B4-BE49-F238E27FC236}">
+                <a16:creationId xmlns:a16="http://schemas.microsoft.com/office/drawing/2014/main" id="{85F8A28A-E037-45D4-9B04-0FA41B2A80D7}"/>
+              </a:ext>
+            </a:extLst>
+          </p:cNvPr>
+          <p:cNvSpPr>
+            <a:spLocks noGrp="1"/>
+          </p:cNvSpPr>
+          <p:nvPr>
+            <p:ph type="title"/>
+          </p:nvPr>
+        </p:nvSpPr>
+        <p:spPr/>
+        <p:txBody>
+          <a:bodyPr/>
+          <a:lstStyle/>
+          <a:p>
+            <a:r>
+              <a:rPr lang="en-US" dirty="0"/>
+              <a:t>What is </a:t>
+            </a:r>
+            <a:r>
+              <a:rPr lang="en-US" dirty="0" err="1"/>
+              <a:t>BigQuery</a:t>
+            </a:r>
+            <a:r>
+              <a:rPr lang="en-US" dirty="0"/>
+              <a:t>?</a:t>
+            </a:r>
+          </a:p>
+        </p:txBody>
+      </p:sp>
+      <p:sp>
+        <p:nvSpPr>
+          <p:cNvPr id="6" name="Text Placeholder 5">
+            <a:extLst>
+              <a:ext uri="{FF2B5EF4-FFF2-40B4-BE49-F238E27FC236}">
+                <a16:creationId xmlns:a16="http://schemas.microsoft.com/office/drawing/2014/main" id="{757F47A7-6DC1-410E-B7DB-9614E31B43DF}"/>
+              </a:ext>
+            </a:extLst>
+          </p:cNvPr>
+          <p:cNvSpPr>
+            <a:spLocks noGrp="1"/>
+          </p:cNvSpPr>
+          <p:nvPr>
+            <p:ph idx="1"/>
+          </p:nvPr>
+        </p:nvSpPr>
+        <p:spPr>
+          <a:xfrm>
+            <a:off x="838200" y="1825625"/>
+            <a:ext cx="5257800" cy="3858895"/>
+          </a:xfrm>
+        </p:spPr>
+        <p:txBody>
+          <a:bodyPr>
+            <a:normAutofit fontScale="77500" lnSpcReduction="20000"/>
+          </a:bodyPr>
+          <a:lstStyle/>
+          <a:p>
+            <a:pPr marL="0" indent="0">
+              <a:buNone/>
+            </a:pPr>
+            <a:r>
+              <a:rPr lang="en-US" dirty="0" err="1"/>
+              <a:t>BigQuery</a:t>
+            </a:r>
+            <a:r>
+              <a:rPr lang="en-US" dirty="0"/>
+              <a:t> is the Google Cloud Data Warehouse product.  </a:t>
+            </a:r>
+          </a:p>
+          <a:p>
+            <a:pPr marL="0" indent="0">
+              <a:buNone/>
+            </a:pPr>
+            <a:r>
+              <a:rPr lang="en-US" dirty="0"/>
+              <a:t>It supports features like queries, access control, and data management.</a:t>
+            </a:r>
+          </a:p>
+          <a:p>
+            <a:pPr marL="0" indent="0">
+              <a:buNone/>
+            </a:pPr>
+            <a:r>
+              <a:rPr lang="en-US" dirty="0"/>
+              <a:t>The Sequence Read Archive (SRA) maintains a copy of the sequence metadata from submissions in </a:t>
+            </a:r>
+            <a:r>
+              <a:rPr lang="en-US" dirty="0" err="1"/>
+              <a:t>BigQuery</a:t>
+            </a:r>
+            <a:endParaRPr lang="en-US" dirty="0"/>
+          </a:p>
+          <a:p>
+            <a:pPr marL="0" indent="0">
+              <a:buNone/>
+            </a:pPr>
+            <a:r>
+              <a:rPr lang="en-US" dirty="0"/>
+              <a:t>This allows SQL queries to search the metadata in ways that are hard or impossible with the NCBI Entrez search engine.</a:t>
+            </a:r>
+          </a:p>
+          <a:p>
+            <a:pPr marL="0" indent="0">
+              <a:buNone/>
+            </a:pPr>
+            <a:r>
+              <a:rPr lang="en-US" dirty="0">
+                <a:hlinkClick r:id="rId2"/>
+              </a:rPr>
+              <a:t>https://cloud.google.com/bigquery/docs/how-to</a:t>
+            </a:r>
+            <a:endParaRPr lang="en-US" dirty="0"/>
+          </a:p>
+          <a:p>
+            <a:endParaRPr lang="en-US" dirty="0"/>
+          </a:p>
+        </p:txBody>
+      </p:sp>
+      <p:pic>
+        <p:nvPicPr>
+          <p:cNvPr id="8" name="Picture 7" descr="The BigQuery console page.">
+            <a:extLst>
+              <a:ext uri="{FF2B5EF4-FFF2-40B4-BE49-F238E27FC236}">
+                <a16:creationId xmlns:a16="http://schemas.microsoft.com/office/drawing/2014/main" id="{6300E1CD-967E-45D7-933A-B2A6A726BF4D}"/>
+              </a:ext>
+            </a:extLst>
+          </p:cNvPr>
+          <p:cNvPicPr>
+            <a:picLocks noChangeAspect="1"/>
+          </p:cNvPicPr>
+          <p:nvPr/>
+        </p:nvPicPr>
+        <p:blipFill>
+          <a:blip r:embed="rId3"/>
+          <a:stretch>
+            <a:fillRect/>
+          </a:stretch>
+        </p:blipFill>
+        <p:spPr>
+          <a:xfrm>
+            <a:off x="6096000" y="1993106"/>
+            <a:ext cx="5862585" cy="2871787"/>
+          </a:xfrm>
+          <a:prstGeom prst="rect">
+            <a:avLst/>
+          </a:prstGeom>
+        </p:spPr>
+      </p:pic>
+    </p:spTree>
+    <p:extLst>
+      <p:ext uri="{BB962C8B-B14F-4D97-AF65-F5344CB8AC3E}">
+        <p14:creationId xmlns:p14="http://schemas.microsoft.com/office/powerpoint/2010/main" val="3469568745"/>
+      </p:ext>
+    </p:extLst>
+  </p:cSld>
+  <p:clrMapOvr>
+    <a:masterClrMapping/>
+  </p:clrMapOvr>
+</p:sld>
+</file>
+
+<file path=ppt/slides/slide22.xml><?xml version="1.0" encoding="utf-8"?>
+<p:sld xmlns:a="http://schemas.openxmlformats.org/drawingml/2006/main" xmlns:r="http://schemas.openxmlformats.org/officeDocument/2006/relationships" xmlns:p="http://schemas.openxmlformats.org/presentationml/2006/main">
+  <p:cSld>
+    <p:spTree>
+      <p:nvGrpSpPr>
+        <p:cNvPr id="1" name=""/>
+        <p:cNvGrpSpPr/>
+        <p:nvPr/>
+      </p:nvGrpSpPr>
+      <p:grpSpPr>
+        <a:xfrm>
+          <a:off x="0" y="0"/>
+          <a:ext cx="0" cy="0"/>
+          <a:chOff x="0" y="0"/>
+          <a:chExt cx="0" cy="0"/>
+        </a:xfrm>
+      </p:grpSpPr>
+      <p:sp>
+        <p:nvSpPr>
+          <p:cNvPr id="2" name="Title 1">
+            <a:extLst>
+              <a:ext uri="{FF2B5EF4-FFF2-40B4-BE49-F238E27FC236}">
+                <a16:creationId xmlns:a16="http://schemas.microsoft.com/office/drawing/2014/main" id="{B5B2A198-7E6D-444C-A68F-77601E38C63F}"/>
+              </a:ext>
+            </a:extLst>
+          </p:cNvPr>
+          <p:cNvSpPr>
+            <a:spLocks noGrp="1"/>
+          </p:cNvSpPr>
+          <p:nvPr>
+            <p:ph type="title"/>
+          </p:nvPr>
+        </p:nvSpPr>
+        <p:spPr/>
+        <p:txBody>
+          <a:bodyPr/>
+          <a:lstStyle/>
+          <a:p>
+            <a:r>
+              <a:rPr lang="en-US" dirty="0"/>
+              <a:t>Intro to </a:t>
+            </a:r>
+            <a:r>
+              <a:rPr lang="en-US" dirty="0" err="1"/>
+              <a:t>BigQuery</a:t>
+            </a:r>
+            <a:endParaRPr lang="en-US" dirty="0"/>
+          </a:p>
+        </p:txBody>
+      </p:sp>
+      <p:sp>
+        <p:nvSpPr>
+          <p:cNvPr id="4" name="Text Placeholder 3">
+            <a:extLst>
+              <a:ext uri="{FF2B5EF4-FFF2-40B4-BE49-F238E27FC236}">
+                <a16:creationId xmlns:a16="http://schemas.microsoft.com/office/drawing/2014/main" id="{22E5585D-5187-490B-8E0C-62016887B5DC}"/>
+              </a:ext>
+            </a:extLst>
+          </p:cNvPr>
+          <p:cNvSpPr>
+            <a:spLocks noGrp="1"/>
+          </p:cNvSpPr>
+          <p:nvPr>
+            <p:ph idx="1"/>
+          </p:nvPr>
+        </p:nvSpPr>
+        <p:spPr>
+          <a:xfrm>
+            <a:off x="838200" y="1825625"/>
+            <a:ext cx="5257800" cy="3858895"/>
+          </a:xfrm>
+        </p:spPr>
+        <p:txBody>
+          <a:bodyPr>
+            <a:normAutofit fontScale="92500" lnSpcReduction="10000"/>
+          </a:bodyPr>
+          <a:lstStyle/>
+          <a:p>
+            <a:pPr marL="0" indent="0">
+              <a:buNone/>
+            </a:pPr>
+            <a:r>
+              <a:rPr lang="en-US" dirty="0"/>
+              <a:t>You can either use the ‘</a:t>
+            </a:r>
+            <a:r>
+              <a:rPr lang="en-US" dirty="0" err="1"/>
+              <a:t>bq</a:t>
+            </a:r>
+            <a:r>
+              <a:rPr lang="en-US" dirty="0"/>
+              <a:t>’ client from Google in a virtual machine or the GCP console in a web browser.</a:t>
+            </a:r>
+          </a:p>
+          <a:p>
+            <a:pPr marL="0" indent="0">
+              <a:buNone/>
+            </a:pPr>
+            <a:r>
+              <a:rPr lang="en-US" dirty="0"/>
+              <a:t>For this seminar I will show you how you would setup a query in the GCP console.  </a:t>
+            </a:r>
+          </a:p>
+          <a:p>
+            <a:pPr marL="0" indent="0">
+              <a:buNone/>
+            </a:pPr>
+            <a:r>
+              <a:rPr lang="en-US" dirty="0"/>
+              <a:t>We will be using </a:t>
+            </a:r>
+            <a:r>
+              <a:rPr lang="en-US" dirty="0" err="1"/>
+              <a:t>JupyterNotebooks</a:t>
+            </a:r>
+            <a:r>
+              <a:rPr lang="en-US" dirty="0"/>
+              <a:t> to make it easier for a large number of people to access at once.</a:t>
+            </a:r>
+          </a:p>
+        </p:txBody>
+      </p:sp>
+      <p:pic>
+        <p:nvPicPr>
+          <p:cNvPr id="5" name="Picture 4" descr="Th BigQuery console page.">
+            <a:extLst>
+              <a:ext uri="{FF2B5EF4-FFF2-40B4-BE49-F238E27FC236}">
+                <a16:creationId xmlns:a16="http://schemas.microsoft.com/office/drawing/2014/main" id="{16345C37-4C67-452C-AD12-4BA2B384C8FB}"/>
+              </a:ext>
+            </a:extLst>
+          </p:cNvPr>
+          <p:cNvPicPr>
+            <a:picLocks noChangeAspect="1"/>
+          </p:cNvPicPr>
+          <p:nvPr/>
+        </p:nvPicPr>
+        <p:blipFill>
+          <a:blip r:embed="rId2"/>
+          <a:stretch>
+            <a:fillRect/>
+          </a:stretch>
+        </p:blipFill>
+        <p:spPr>
+          <a:xfrm>
+            <a:off x="6096000" y="1993106"/>
+            <a:ext cx="5862585" cy="2871787"/>
+          </a:xfrm>
+          <a:prstGeom prst="rect">
+            <a:avLst/>
+          </a:prstGeom>
+        </p:spPr>
+      </p:pic>
+    </p:spTree>
+    <p:extLst>
+      <p:ext uri="{BB962C8B-B14F-4D97-AF65-F5344CB8AC3E}">
+        <p14:creationId xmlns:p14="http://schemas.microsoft.com/office/powerpoint/2010/main" val="1744658734"/>
+      </p:ext>
+    </p:extLst>
+  </p:cSld>
+  <p:clrMapOvr>
+    <a:masterClrMapping/>
+  </p:clrMapOvr>
+</p:sld>
+</file>
+
+<file path=ppt/slides/slide23.xml><?xml version="1.0" encoding="utf-8"?>
+<p:sld xmlns:a="http://schemas.openxmlformats.org/drawingml/2006/main" xmlns:r="http://schemas.openxmlformats.org/officeDocument/2006/relationships" xmlns:p="http://schemas.openxmlformats.org/presentationml/2006/main">
+  <p:cSld>
+    <p:spTree>
+      <p:nvGrpSpPr>
+        <p:cNvPr id="1" name=""/>
+        <p:cNvGrpSpPr/>
+        <p:nvPr/>
+      </p:nvGrpSpPr>
+      <p:grpSpPr>
+        <a:xfrm>
+          <a:off x="0" y="0"/>
+          <a:ext cx="0" cy="0"/>
+          <a:chOff x="0" y="0"/>
+          <a:chExt cx="0" cy="0"/>
+        </a:xfrm>
+      </p:grpSpPr>
+      <p:sp>
+        <p:nvSpPr>
+          <p:cNvPr id="2" name="Title 1">
+            <a:extLst>
+              <a:ext uri="{FF2B5EF4-FFF2-40B4-BE49-F238E27FC236}">
+                <a16:creationId xmlns:a16="http://schemas.microsoft.com/office/drawing/2014/main" id="{2EEA8E9D-E9FB-4E84-B4CB-CA8010F39253}"/>
+              </a:ext>
+            </a:extLst>
+          </p:cNvPr>
+          <p:cNvSpPr>
+            <a:spLocks noGrp="1"/>
+          </p:cNvSpPr>
+          <p:nvPr>
+            <p:ph type="title"/>
+          </p:nvPr>
+        </p:nvSpPr>
+        <p:spPr/>
+        <p:txBody>
+          <a:bodyPr/>
+          <a:lstStyle/>
+          <a:p>
+            <a:r>
+              <a:rPr lang="en-US" dirty="0"/>
+              <a:t>Adding Data</a:t>
+            </a:r>
+          </a:p>
+        </p:txBody>
+      </p:sp>
+      <p:sp>
+        <p:nvSpPr>
+          <p:cNvPr id="4" name="Text Placeholder 3">
+            <a:extLst>
+              <a:ext uri="{FF2B5EF4-FFF2-40B4-BE49-F238E27FC236}">
+                <a16:creationId xmlns:a16="http://schemas.microsoft.com/office/drawing/2014/main" id="{1BBF38F4-E8FB-489D-A23E-E6359EEDFA13}"/>
+              </a:ext>
+            </a:extLst>
+          </p:cNvPr>
+          <p:cNvSpPr>
+            <a:spLocks noGrp="1"/>
+          </p:cNvSpPr>
+          <p:nvPr>
+            <p:ph idx="1"/>
+          </p:nvPr>
+        </p:nvSpPr>
+        <p:spPr>
+          <a:xfrm>
+            <a:off x="838200" y="1471063"/>
+            <a:ext cx="4269728" cy="4213458"/>
+          </a:xfrm>
+        </p:spPr>
+        <p:txBody>
+          <a:bodyPr/>
+          <a:lstStyle/>
+          <a:p>
+            <a:pPr marL="0" indent="0">
+              <a:buNone/>
+            </a:pPr>
+            <a:r>
+              <a:rPr lang="en-US" dirty="0"/>
+              <a:t>We can add the public SRA data set to our </a:t>
+            </a:r>
+            <a:r>
+              <a:rPr lang="en-US" dirty="0" err="1"/>
+              <a:t>BigQuery</a:t>
+            </a:r>
+            <a:r>
+              <a:rPr lang="en-US" dirty="0"/>
+              <a:t> project.</a:t>
+            </a:r>
+          </a:p>
+          <a:p>
+            <a:pPr marL="0" indent="0">
+              <a:buNone/>
+            </a:pPr>
+            <a:r>
+              <a:rPr lang="en-US" dirty="0"/>
+              <a:t>Click + ADD DATA on the left side of the console.</a:t>
+            </a:r>
+          </a:p>
+          <a:p>
+            <a:pPr marL="0" indent="0">
+              <a:buNone/>
+            </a:pPr>
+            <a:r>
+              <a:rPr lang="en-US" dirty="0"/>
+              <a:t>In the menu that appears click Pin a project.</a:t>
+            </a:r>
+          </a:p>
+          <a:p>
+            <a:endParaRPr lang="en-US" dirty="0"/>
+          </a:p>
+        </p:txBody>
+      </p:sp>
+      <p:pic>
+        <p:nvPicPr>
+          <p:cNvPr id="6" name="Picture 5" descr="The BigQuery console page where data will be added.">
+            <a:extLst>
+              <a:ext uri="{FF2B5EF4-FFF2-40B4-BE49-F238E27FC236}">
+                <a16:creationId xmlns:a16="http://schemas.microsoft.com/office/drawing/2014/main" id="{86981AFD-C5BF-430C-B9B2-2AF7867539E3}"/>
+              </a:ext>
+            </a:extLst>
+          </p:cNvPr>
+          <p:cNvPicPr>
+            <a:picLocks noChangeAspect="1"/>
+          </p:cNvPicPr>
+          <p:nvPr/>
+        </p:nvPicPr>
+        <p:blipFill>
+          <a:blip r:embed="rId2"/>
+          <a:stretch>
+            <a:fillRect/>
+          </a:stretch>
+        </p:blipFill>
+        <p:spPr>
+          <a:xfrm>
+            <a:off x="5107928" y="1471062"/>
+            <a:ext cx="6603326" cy="3459163"/>
+          </a:xfrm>
+          <a:prstGeom prst="rect">
+            <a:avLst/>
+          </a:prstGeom>
+        </p:spPr>
+      </p:pic>
+      <p:sp>
+        <p:nvSpPr>
+          <p:cNvPr id="9" name="Arrow: Right 8" descr="Arround pointing to the Add Data button on the console.">
+            <a:extLst>
+              <a:ext uri="{FF2B5EF4-FFF2-40B4-BE49-F238E27FC236}">
+                <a16:creationId xmlns:a16="http://schemas.microsoft.com/office/drawing/2014/main" id="{55EC5BF3-C632-4C50-92A7-C0D9E96CABB7}"/>
+              </a:ext>
+            </a:extLst>
+          </p:cNvPr>
+          <p:cNvSpPr/>
+          <p:nvPr/>
+        </p:nvSpPr>
+        <p:spPr>
+          <a:xfrm>
+            <a:off x="5494707" y="3080469"/>
+            <a:ext cx="465513" cy="309751"/>
+          </a:xfrm>
+          <a:prstGeom prst="rightArrow">
+            <a:avLst/>
+          </a:prstGeom>
+        </p:spPr>
+        <p:style>
+          <a:lnRef idx="2">
+            <a:schemeClr val="accent1">
+              <a:shade val="50000"/>
+            </a:schemeClr>
+          </a:lnRef>
+          <a:fillRef idx="1">
+            <a:schemeClr val="accent1"/>
+          </a:fillRef>
+          <a:effectRef idx="0">
+            <a:schemeClr val="accent1"/>
+          </a:effectRef>
+          <a:fontRef idx="minor">
+            <a:schemeClr val="lt1"/>
+          </a:fontRef>
+        </p:style>
+        <p:txBody>
+          <a:bodyPr rtlCol="0" anchor="ctr"/>
+          <a:lstStyle/>
+          <a:p>
+            <a:pPr algn="ctr"/>
+            <a:endParaRPr lang="en-US"/>
+          </a:p>
+        </p:txBody>
+      </p:sp>
+      <p:sp>
+        <p:nvSpPr>
+          <p:cNvPr id="8" name="Arrow: Up 7" descr="Arrow pointing to the Pin a project option.">
+            <a:extLst>
+              <a:ext uri="{FF2B5EF4-FFF2-40B4-BE49-F238E27FC236}">
+                <a16:creationId xmlns:a16="http://schemas.microsoft.com/office/drawing/2014/main" id="{AB5DADD5-9415-4048-98AA-12321ED1D97D}"/>
+              </a:ext>
+            </a:extLst>
+          </p:cNvPr>
+          <p:cNvSpPr/>
+          <p:nvPr/>
+        </p:nvSpPr>
+        <p:spPr>
+          <a:xfrm>
+            <a:off x="6037806" y="3530628"/>
+            <a:ext cx="310342" cy="448887"/>
+          </a:xfrm>
+          <a:prstGeom prst="upArrow">
+            <a:avLst/>
+          </a:prstGeom>
+        </p:spPr>
+        <p:style>
+          <a:lnRef idx="2">
+            <a:schemeClr val="accent1">
+              <a:shade val="50000"/>
+            </a:schemeClr>
+          </a:lnRef>
+          <a:fillRef idx="1">
+            <a:schemeClr val="accent1"/>
+          </a:fillRef>
+          <a:effectRef idx="0">
+            <a:schemeClr val="accent1"/>
+          </a:effectRef>
+          <a:fontRef idx="minor">
+            <a:schemeClr val="lt1"/>
+          </a:fontRef>
+        </p:style>
+        <p:txBody>
+          <a:bodyPr rtlCol="0" anchor="ctr"/>
+          <a:lstStyle/>
+          <a:p>
+            <a:pPr algn="ctr"/>
+            <a:endParaRPr lang="en-US"/>
+          </a:p>
+        </p:txBody>
+      </p:sp>
+    </p:spTree>
+    <p:extLst>
+      <p:ext uri="{BB962C8B-B14F-4D97-AF65-F5344CB8AC3E}">
+        <p14:creationId xmlns:p14="http://schemas.microsoft.com/office/powerpoint/2010/main" val="2559978325"/>
+      </p:ext>
+    </p:extLst>
+  </p:cSld>
+  <p:clrMapOvr>
+    <a:masterClrMapping/>
+  </p:clrMapOvr>
+</p:sld>
+</file>
+
+<file path=ppt/slides/slide24.xml><?xml version="1.0" encoding="utf-8"?>
+<p:sld xmlns:a="http://schemas.openxmlformats.org/drawingml/2006/main" xmlns:r="http://schemas.openxmlformats.org/officeDocument/2006/relationships" xmlns:p="http://schemas.openxmlformats.org/presentationml/2006/main">
+  <p:cSld>
+    <p:spTree>
+      <p:nvGrpSpPr>
+        <p:cNvPr id="1" name=""/>
+        <p:cNvGrpSpPr/>
+        <p:nvPr/>
+      </p:nvGrpSpPr>
+      <p:grpSpPr>
+        <a:xfrm>
+          <a:off x="0" y="0"/>
+          <a:ext cx="0" cy="0"/>
+          <a:chOff x="0" y="0"/>
+          <a:chExt cx="0" cy="0"/>
+        </a:xfrm>
+      </p:grpSpPr>
+      <p:sp>
+        <p:nvSpPr>
+          <p:cNvPr id="2" name="Title 1">
+            <a:extLst>
+              <a:ext uri="{FF2B5EF4-FFF2-40B4-BE49-F238E27FC236}">
+                <a16:creationId xmlns:a16="http://schemas.microsoft.com/office/drawing/2014/main" id="{DCDB6A01-EA48-46D1-808E-A600D4FA4B72}"/>
+              </a:ext>
+            </a:extLst>
+          </p:cNvPr>
+          <p:cNvSpPr>
+            <a:spLocks noGrp="1"/>
+          </p:cNvSpPr>
+          <p:nvPr>
+            <p:ph type="title"/>
+          </p:nvPr>
+        </p:nvSpPr>
+        <p:spPr/>
+        <p:txBody>
+          <a:bodyPr/>
+          <a:lstStyle/>
+          <a:p>
+            <a:r>
+              <a:rPr lang="en-US" dirty="0"/>
+              <a:t>Adding Data</a:t>
+            </a:r>
+          </a:p>
+        </p:txBody>
+      </p:sp>
+      <p:sp>
+        <p:nvSpPr>
+          <p:cNvPr id="4" name="Text Placeholder 3">
+            <a:extLst>
+              <a:ext uri="{FF2B5EF4-FFF2-40B4-BE49-F238E27FC236}">
+                <a16:creationId xmlns:a16="http://schemas.microsoft.com/office/drawing/2014/main" id="{22734EC9-CA1F-4CB1-B71B-7E056F51D956}"/>
+              </a:ext>
+            </a:extLst>
+          </p:cNvPr>
+          <p:cNvSpPr>
+            <a:spLocks noGrp="1"/>
+          </p:cNvSpPr>
+          <p:nvPr>
+            <p:ph idx="1"/>
+          </p:nvPr>
+        </p:nvSpPr>
+        <p:spPr>
+          <a:xfrm>
+            <a:off x="838200" y="1825625"/>
+            <a:ext cx="5257800" cy="3858895"/>
+          </a:xfrm>
+        </p:spPr>
+        <p:txBody>
+          <a:bodyPr/>
+          <a:lstStyle/>
+          <a:p>
+            <a:pPr marL="0" indent="0">
+              <a:buNone/>
+            </a:pPr>
+            <a:r>
+              <a:rPr lang="en-US" dirty="0"/>
+              <a:t>Enter </a:t>
+            </a:r>
+            <a:r>
+              <a:rPr lang="en-US" dirty="0" err="1"/>
+              <a:t>nih</a:t>
+            </a:r>
+            <a:r>
+              <a:rPr lang="en-US" dirty="0"/>
+              <a:t>-sra-datastore in the project name box.</a:t>
+            </a:r>
+          </a:p>
+          <a:p>
+            <a:pPr marL="0" indent="0">
+              <a:buNone/>
+            </a:pPr>
+            <a:r>
+              <a:rPr lang="en-US" dirty="0"/>
+              <a:t>Click PIN.</a:t>
+            </a:r>
+          </a:p>
+          <a:p>
+            <a:pPr marL="0" indent="0">
+              <a:buNone/>
+            </a:pPr>
+            <a:r>
+              <a:rPr lang="en-US" dirty="0"/>
+              <a:t>This will pin the public metadata datastore to your </a:t>
+            </a:r>
+            <a:r>
+              <a:rPr lang="en-US" dirty="0" err="1"/>
+              <a:t>BigQuery</a:t>
+            </a:r>
+            <a:r>
+              <a:rPr lang="en-US" dirty="0"/>
+              <a:t> console.</a:t>
+            </a:r>
+          </a:p>
+        </p:txBody>
+      </p:sp>
+      <p:pic>
+        <p:nvPicPr>
+          <p:cNvPr id="6" name="Picture 5" descr="The Pin a project page with nih-sra-datastore project name entered.">
+            <a:extLst>
+              <a:ext uri="{FF2B5EF4-FFF2-40B4-BE49-F238E27FC236}">
+                <a16:creationId xmlns:a16="http://schemas.microsoft.com/office/drawing/2014/main" id="{96C38EB6-D8D1-44BF-9287-E60672A9022A}"/>
+              </a:ext>
+            </a:extLst>
+          </p:cNvPr>
+          <p:cNvPicPr>
+            <a:picLocks noChangeAspect="1"/>
+          </p:cNvPicPr>
+          <p:nvPr/>
+        </p:nvPicPr>
+        <p:blipFill>
+          <a:blip r:embed="rId2"/>
+          <a:stretch>
+            <a:fillRect/>
+          </a:stretch>
+        </p:blipFill>
+        <p:spPr>
+          <a:xfrm>
+            <a:off x="6096000" y="1790700"/>
+            <a:ext cx="5048250" cy="3276600"/>
+          </a:xfrm>
+          <a:prstGeom prst="rect">
+            <a:avLst/>
+          </a:prstGeom>
+        </p:spPr>
+      </p:pic>
+      <p:sp>
+        <p:nvSpPr>
+          <p:cNvPr id="7" name="Arrow: Down 6" descr="Arrow pointing to the pin button.">
+            <a:extLst>
+              <a:ext uri="{FF2B5EF4-FFF2-40B4-BE49-F238E27FC236}">
+                <a16:creationId xmlns:a16="http://schemas.microsoft.com/office/drawing/2014/main" id="{48A0AB3C-DE22-4E17-B19E-A23A22FF2150}"/>
+              </a:ext>
+            </a:extLst>
+          </p:cNvPr>
+          <p:cNvSpPr/>
+          <p:nvPr/>
+        </p:nvSpPr>
+        <p:spPr>
+          <a:xfrm>
+            <a:off x="10531345" y="3974841"/>
+            <a:ext cx="410547" cy="550506"/>
+          </a:xfrm>
+          <a:prstGeom prst="downArrow">
+            <a:avLst/>
+          </a:prstGeom>
+        </p:spPr>
+        <p:style>
+          <a:lnRef idx="2">
+            <a:schemeClr val="accent1">
+              <a:shade val="50000"/>
+            </a:schemeClr>
+          </a:lnRef>
+          <a:fillRef idx="1">
+            <a:schemeClr val="accent1"/>
+          </a:fillRef>
+          <a:effectRef idx="0">
+            <a:schemeClr val="accent1"/>
+          </a:effectRef>
+          <a:fontRef idx="minor">
+            <a:schemeClr val="lt1"/>
+          </a:fontRef>
+        </p:style>
+        <p:txBody>
+          <a:bodyPr rtlCol="0" anchor="ctr"/>
+          <a:lstStyle/>
+          <a:p>
+            <a:pPr algn="ctr"/>
+            <a:endParaRPr lang="en-US"/>
+          </a:p>
+        </p:txBody>
+      </p:sp>
+    </p:spTree>
+    <p:extLst>
+      <p:ext uri="{BB962C8B-B14F-4D97-AF65-F5344CB8AC3E}">
+        <p14:creationId xmlns:p14="http://schemas.microsoft.com/office/powerpoint/2010/main" val="2036944244"/>
+      </p:ext>
+    </p:extLst>
+  </p:cSld>
+  <p:clrMapOvr>
+    <a:masterClrMapping/>
+  </p:clrMapOvr>
+</p:sld>
+</file>
+
+<file path=ppt/slides/slide25.xml><?xml version="1.0" encoding="utf-8"?>
+<p:sld xmlns:a="http://schemas.openxmlformats.org/drawingml/2006/main" xmlns:r="http://schemas.openxmlformats.org/officeDocument/2006/relationships" xmlns:p="http://schemas.openxmlformats.org/presentationml/2006/main">
+  <p:cSld>
+    <p:spTree>
+      <p:nvGrpSpPr>
+        <p:cNvPr id="1" name=""/>
+        <p:cNvGrpSpPr/>
+        <p:nvPr/>
+      </p:nvGrpSpPr>
+      <p:grpSpPr>
+        <a:xfrm>
+          <a:off x="0" y="0"/>
+          <a:ext cx="0" cy="0"/>
+          <a:chOff x="0" y="0"/>
+          <a:chExt cx="0" cy="0"/>
+        </a:xfrm>
+      </p:grpSpPr>
+      <p:sp>
+        <p:nvSpPr>
+          <p:cNvPr id="2" name="Title 1">
+            <a:extLst>
+              <a:ext uri="{FF2B5EF4-FFF2-40B4-BE49-F238E27FC236}">
+                <a16:creationId xmlns:a16="http://schemas.microsoft.com/office/drawing/2014/main" id="{A8D2EB25-2394-41DE-9169-76A6435AC990}"/>
+              </a:ext>
+            </a:extLst>
+          </p:cNvPr>
+          <p:cNvSpPr>
+            <a:spLocks noGrp="1"/>
+          </p:cNvSpPr>
+          <p:nvPr>
+            <p:ph type="title"/>
+          </p:nvPr>
+        </p:nvSpPr>
+        <p:spPr/>
+        <p:txBody>
+          <a:bodyPr>
+            <a:normAutofit/>
+          </a:bodyPr>
+          <a:lstStyle/>
+          <a:p>
+            <a:r>
+              <a:rPr lang="en-US" dirty="0"/>
+              <a:t>Yes/No Question</a:t>
+            </a:r>
+          </a:p>
+        </p:txBody>
+      </p:sp>
+      <p:sp>
+        <p:nvSpPr>
+          <p:cNvPr id="3" name="Subtitle 2">
+            <a:extLst>
+              <a:ext uri="{FF2B5EF4-FFF2-40B4-BE49-F238E27FC236}">
+                <a16:creationId xmlns:a16="http://schemas.microsoft.com/office/drawing/2014/main" id="{BE42D68A-C7A5-4FB6-9E44-F12822EC7D43}"/>
+              </a:ext>
+            </a:extLst>
+          </p:cNvPr>
+          <p:cNvSpPr>
+            <a:spLocks noGrp="1"/>
+          </p:cNvSpPr>
+          <p:nvPr>
+            <p:ph type="body" sz="quarter" idx="10"/>
+          </p:nvPr>
+        </p:nvSpPr>
+        <p:spPr/>
+        <p:txBody>
+          <a:bodyPr/>
+          <a:lstStyle/>
+          <a:p>
+            <a:r>
+              <a:rPr lang="en-US" dirty="0"/>
+              <a:t>I feel comfortable writing basic queries in SQL.</a:t>
+            </a:r>
+          </a:p>
+        </p:txBody>
+      </p:sp>
+    </p:spTree>
+    <p:extLst>
+      <p:ext uri="{BB962C8B-B14F-4D97-AF65-F5344CB8AC3E}">
+        <p14:creationId xmlns:p14="http://schemas.microsoft.com/office/powerpoint/2010/main" val="3226148419"/>
+      </p:ext>
+    </p:extLst>
+  </p:cSld>
+  <p:clrMapOvr>
+    <a:masterClrMapping/>
+  </p:clrMapOvr>
+</p:sld>
+</file>
+
+<file path=ppt/slides/slide26.xml><?xml version="1.0" encoding="utf-8"?>
+<p:sld xmlns:a="http://schemas.openxmlformats.org/drawingml/2006/main" xmlns:r="http://schemas.openxmlformats.org/officeDocument/2006/relationships" xmlns:p="http://schemas.openxmlformats.org/presentationml/2006/main">
+  <p:cSld>
+    <p:spTree>
+      <p:nvGrpSpPr>
+        <p:cNvPr id="1" name=""/>
+        <p:cNvGrpSpPr/>
+        <p:nvPr/>
+      </p:nvGrpSpPr>
+      <p:grpSpPr>
+        <a:xfrm>
+          <a:off x="0" y="0"/>
+          <a:ext cx="0" cy="0"/>
+          <a:chOff x="0" y="0"/>
+          <a:chExt cx="0" cy="0"/>
+        </a:xfrm>
+      </p:grpSpPr>
+      <p:sp>
+        <p:nvSpPr>
+          <p:cNvPr id="2" name="Title 1">
+            <a:extLst>
+              <a:ext uri="{FF2B5EF4-FFF2-40B4-BE49-F238E27FC236}">
+                <a16:creationId xmlns:a16="http://schemas.microsoft.com/office/drawing/2014/main" id="{F98F8C80-A7E3-476E-8930-90035AB66BBB}"/>
+              </a:ext>
+            </a:extLst>
+          </p:cNvPr>
+          <p:cNvSpPr>
+            <a:spLocks noGrp="1"/>
+          </p:cNvSpPr>
+          <p:nvPr>
+            <p:ph type="title"/>
+          </p:nvPr>
+        </p:nvSpPr>
+        <p:spPr/>
+        <p:txBody>
+          <a:bodyPr/>
+          <a:lstStyle/>
+          <a:p>
+            <a:r>
+              <a:rPr lang="en-US" dirty="0"/>
+              <a:t>Simple SQL Queries</a:t>
+            </a:r>
+          </a:p>
+        </p:txBody>
+      </p:sp>
+      <p:sp>
+        <p:nvSpPr>
+          <p:cNvPr id="4" name="Text Placeholder 3">
+            <a:extLst>
+              <a:ext uri="{FF2B5EF4-FFF2-40B4-BE49-F238E27FC236}">
+                <a16:creationId xmlns:a16="http://schemas.microsoft.com/office/drawing/2014/main" id="{187D5DA7-A995-48FF-91C3-C5BECB4A3DC6}"/>
+              </a:ext>
+            </a:extLst>
+          </p:cNvPr>
+          <p:cNvSpPr>
+            <a:spLocks noGrp="1"/>
+          </p:cNvSpPr>
+          <p:nvPr>
+            <p:ph idx="1"/>
+          </p:nvPr>
+        </p:nvSpPr>
+        <p:spPr/>
+        <p:txBody>
+          <a:bodyPr>
+            <a:normAutofit lnSpcReduction="10000"/>
+          </a:bodyPr>
+          <a:lstStyle/>
+          <a:p>
+            <a:pPr marL="0" indent="0">
+              <a:buNone/>
+            </a:pPr>
+            <a:r>
+              <a:rPr lang="en-US" dirty="0"/>
+              <a:t>A very basic overview of SQL queries.</a:t>
+            </a:r>
+          </a:p>
+          <a:p>
+            <a:pPr marL="0" indent="0">
+              <a:buNone/>
+            </a:pPr>
+            <a:r>
+              <a:rPr lang="en-US" dirty="0"/>
+              <a:t>SELECT – command to extract data from a table.</a:t>
+            </a:r>
+          </a:p>
+          <a:p>
+            <a:pPr marL="0" indent="0">
+              <a:buNone/>
+            </a:pPr>
+            <a:r>
+              <a:rPr lang="en-US" dirty="0"/>
+              <a:t>FROM – specify which tables to extract data from</a:t>
+            </a:r>
+          </a:p>
+          <a:p>
+            <a:pPr marL="0" indent="0">
+              <a:buNone/>
+            </a:pPr>
+            <a:r>
+              <a:rPr lang="en-US" dirty="0"/>
+              <a:t>WHERE – filters the data</a:t>
+            </a:r>
+          </a:p>
+          <a:p>
+            <a:pPr marL="0" indent="0">
+              <a:buNone/>
+            </a:pPr>
+            <a:r>
+              <a:rPr lang="en-US" dirty="0"/>
+              <a:t>ORDER BY – order the results by specified column(s)</a:t>
+            </a:r>
+          </a:p>
+          <a:p>
+            <a:pPr marL="0" indent="0">
+              <a:buNone/>
+            </a:pPr>
+            <a:endParaRPr lang="en-US" dirty="0"/>
+          </a:p>
+          <a:p>
+            <a:pPr marL="0" indent="0">
+              <a:buNone/>
+            </a:pPr>
+            <a:r>
+              <a:rPr lang="en-US" dirty="0">
+                <a:hlinkClick r:id="rId2"/>
+              </a:rPr>
+              <a:t>https://cloud.google.com/bigquery/docs/reference/standard-sql/query-syntax</a:t>
+            </a:r>
+            <a:endParaRPr lang="en-US" dirty="0"/>
+          </a:p>
+          <a:p>
+            <a:pPr marL="0" indent="0">
+              <a:buNone/>
+            </a:pPr>
+            <a:endParaRPr lang="en-US" dirty="0"/>
+          </a:p>
+        </p:txBody>
+      </p:sp>
+    </p:spTree>
+    <p:extLst>
+      <p:ext uri="{BB962C8B-B14F-4D97-AF65-F5344CB8AC3E}">
+        <p14:creationId xmlns:p14="http://schemas.microsoft.com/office/powerpoint/2010/main" val="2216777302"/>
+      </p:ext>
+    </p:extLst>
+  </p:cSld>
+  <p:clrMapOvr>
+    <a:masterClrMapping/>
+  </p:clrMapOvr>
+</p:sld>
+</file>
+
+<file path=ppt/slides/slide27.xml><?xml version="1.0" encoding="utf-8"?>
+<p:sld xmlns:a="http://schemas.openxmlformats.org/drawingml/2006/main" xmlns:r="http://schemas.openxmlformats.org/officeDocument/2006/relationships" xmlns:p="http://schemas.openxmlformats.org/presentationml/2006/main">
+  <p:cSld>
+    <p:spTree>
+      <p:nvGrpSpPr>
+        <p:cNvPr id="1" name=""/>
+        <p:cNvGrpSpPr/>
+        <p:nvPr/>
+      </p:nvGrpSpPr>
+      <p:grpSpPr>
+        <a:xfrm>
+          <a:off x="0" y="0"/>
+          <a:ext cx="0" cy="0"/>
+          <a:chOff x="0" y="0"/>
+          <a:chExt cx="0" cy="0"/>
+        </a:xfrm>
+      </p:grpSpPr>
+      <p:sp>
+        <p:nvSpPr>
+          <p:cNvPr id="2" name="Title 1">
+            <a:extLst>
+              <a:ext uri="{FF2B5EF4-FFF2-40B4-BE49-F238E27FC236}">
+                <a16:creationId xmlns:a16="http://schemas.microsoft.com/office/drawing/2014/main" id="{A6983692-CD55-45B6-94BB-639C7C923640}"/>
+              </a:ext>
+            </a:extLst>
+          </p:cNvPr>
+          <p:cNvSpPr>
+            <a:spLocks noGrp="1"/>
+          </p:cNvSpPr>
+          <p:nvPr>
+            <p:ph type="title"/>
+          </p:nvPr>
+        </p:nvSpPr>
+        <p:spPr/>
+        <p:txBody>
+          <a:bodyPr/>
+          <a:lstStyle/>
+          <a:p>
+            <a:r>
+              <a:rPr lang="en-US" dirty="0"/>
+              <a:t>Searching in </a:t>
+            </a:r>
+            <a:r>
+              <a:rPr lang="en-US" dirty="0" err="1"/>
+              <a:t>BigQuery</a:t>
+            </a:r>
+            <a:endParaRPr lang="en-US" dirty="0"/>
+          </a:p>
+        </p:txBody>
+      </p:sp>
+      <p:sp>
+        <p:nvSpPr>
+          <p:cNvPr id="4" name="Text Placeholder 3">
+            <a:extLst>
+              <a:ext uri="{FF2B5EF4-FFF2-40B4-BE49-F238E27FC236}">
+                <a16:creationId xmlns:a16="http://schemas.microsoft.com/office/drawing/2014/main" id="{C3BEA01D-03A2-47AF-AAEC-EE452CA29AFC}"/>
+              </a:ext>
+            </a:extLst>
+          </p:cNvPr>
+          <p:cNvSpPr>
+            <a:spLocks noGrp="1"/>
+          </p:cNvSpPr>
+          <p:nvPr>
+            <p:ph idx="1"/>
+          </p:nvPr>
+        </p:nvSpPr>
+        <p:spPr>
+          <a:xfrm>
+            <a:off x="838200" y="1825625"/>
+            <a:ext cx="3933825" cy="3858895"/>
+          </a:xfrm>
+        </p:spPr>
+        <p:txBody>
+          <a:bodyPr>
+            <a:normAutofit fontScale="70000" lnSpcReduction="20000"/>
+          </a:bodyPr>
+          <a:lstStyle/>
+          <a:p>
+            <a:pPr marL="0" indent="0">
+              <a:buNone/>
+            </a:pPr>
+            <a:r>
+              <a:rPr lang="en-US" dirty="0"/>
+              <a:t>Here is an example search for the SRA Data.</a:t>
+            </a:r>
+          </a:p>
+          <a:p>
+            <a:pPr marL="0" indent="0">
+              <a:buNone/>
+            </a:pPr>
+            <a:r>
+              <a:rPr lang="en-US" b="1" dirty="0"/>
+              <a:t>SELECT *</a:t>
+            </a:r>
+            <a:br>
+              <a:rPr lang="en-US" b="1" dirty="0"/>
+            </a:br>
+            <a:r>
+              <a:rPr lang="en-US" b="1" dirty="0"/>
+              <a:t>FROM `</a:t>
+            </a:r>
+            <a:r>
+              <a:rPr lang="en-US" b="1" dirty="0" err="1"/>
+              <a:t>nih</a:t>
+            </a:r>
+            <a:r>
+              <a:rPr lang="en-US" b="1" dirty="0"/>
+              <a:t>-sra-</a:t>
+            </a:r>
+            <a:r>
+              <a:rPr lang="en-US" b="1" dirty="0" err="1"/>
+              <a:t>datastore.sra.metadata</a:t>
+            </a:r>
+            <a:r>
+              <a:rPr lang="en-US" b="1" dirty="0"/>
+              <a:t>`</a:t>
+            </a:r>
+            <a:br>
+              <a:rPr lang="en-US" b="1" dirty="0"/>
+            </a:br>
+            <a:r>
+              <a:rPr lang="en-US" b="1" dirty="0"/>
+              <a:t>WHERE organism = ‘Homo sapiens’</a:t>
+            </a:r>
+          </a:p>
+          <a:p>
+            <a:pPr marL="0" indent="0">
+              <a:buNone/>
+            </a:pPr>
+            <a:r>
+              <a:rPr lang="en-US" dirty="0"/>
+              <a:t>This query will search in the metadata table that is part of the SRA dataset contained in the </a:t>
+            </a:r>
+            <a:r>
+              <a:rPr lang="en-US" dirty="0" err="1"/>
+              <a:t>nih</a:t>
+            </a:r>
+            <a:r>
+              <a:rPr lang="en-US" dirty="0"/>
+              <a:t>-sra-datastore project.</a:t>
+            </a:r>
+          </a:p>
+          <a:p>
+            <a:pPr marL="0" indent="0">
+              <a:buNone/>
+            </a:pPr>
+            <a:r>
+              <a:rPr lang="en-US" dirty="0"/>
+              <a:t>The query will look for all (Select *) records with ‘Homo sapiens’ in the organism column.</a:t>
+            </a:r>
+          </a:p>
+        </p:txBody>
+      </p:sp>
+      <p:pic>
+        <p:nvPicPr>
+          <p:cNvPr id="5" name="Picture 4" descr="The BigQuery editor page with the query described in the text entered.">
+            <a:extLst>
+              <a:ext uri="{FF2B5EF4-FFF2-40B4-BE49-F238E27FC236}">
+                <a16:creationId xmlns:a16="http://schemas.microsoft.com/office/drawing/2014/main" id="{8B842683-9F39-473D-ABC3-BF082DA6D0F3}"/>
+              </a:ext>
+            </a:extLst>
+          </p:cNvPr>
+          <p:cNvPicPr>
+            <a:picLocks noChangeAspect="1"/>
+          </p:cNvPicPr>
+          <p:nvPr/>
+        </p:nvPicPr>
+        <p:blipFill>
+          <a:blip r:embed="rId2"/>
+          <a:stretch>
+            <a:fillRect/>
+          </a:stretch>
+        </p:blipFill>
+        <p:spPr>
+          <a:xfrm>
+            <a:off x="4772025" y="1360131"/>
+            <a:ext cx="7066699" cy="4137738"/>
+          </a:xfrm>
+          <a:prstGeom prst="rect">
+            <a:avLst/>
+          </a:prstGeom>
+        </p:spPr>
+      </p:pic>
+    </p:spTree>
+    <p:extLst>
+      <p:ext uri="{BB962C8B-B14F-4D97-AF65-F5344CB8AC3E}">
+        <p14:creationId xmlns:p14="http://schemas.microsoft.com/office/powerpoint/2010/main" val="185677247"/>
+      </p:ext>
+    </p:extLst>
+  </p:cSld>
+  <p:clrMapOvr>
+    <a:masterClrMapping/>
+  </p:clrMapOvr>
+</p:sld>
+</file>
+
+<file path=ppt/slides/slide28.xml><?xml version="1.0" encoding="utf-8"?>
+<p:sld xmlns:a="http://schemas.openxmlformats.org/drawingml/2006/main" xmlns:r="http://schemas.openxmlformats.org/officeDocument/2006/relationships" xmlns:p="http://schemas.openxmlformats.org/presentationml/2006/main">
+  <p:cSld>
+    <p:spTree>
+      <p:nvGrpSpPr>
+        <p:cNvPr id="1" name=""/>
+        <p:cNvGrpSpPr/>
+        <p:nvPr/>
+      </p:nvGrpSpPr>
+      <p:grpSpPr>
+        <a:xfrm>
+          <a:off x="0" y="0"/>
+          <a:ext cx="0" cy="0"/>
+          <a:chOff x="0" y="0"/>
+          <a:chExt cx="0" cy="0"/>
+        </a:xfrm>
+      </p:grpSpPr>
+      <p:sp>
+        <p:nvSpPr>
+          <p:cNvPr id="2" name="Title 1">
+            <a:extLst>
+              <a:ext uri="{FF2B5EF4-FFF2-40B4-BE49-F238E27FC236}">
+                <a16:creationId xmlns:a16="http://schemas.microsoft.com/office/drawing/2014/main" id="{3AE77DCC-A9F8-401F-9791-29909D3E092F}"/>
+              </a:ext>
+            </a:extLst>
+          </p:cNvPr>
+          <p:cNvSpPr>
+            <a:spLocks noGrp="1"/>
+          </p:cNvSpPr>
+          <p:nvPr>
+            <p:ph type="title"/>
+          </p:nvPr>
+        </p:nvSpPr>
+        <p:spPr/>
+        <p:txBody>
+          <a:bodyPr/>
+          <a:lstStyle/>
+          <a:p>
+            <a:r>
+              <a:rPr lang="en-US" dirty="0"/>
+              <a:t>Console Previews and Info</a:t>
+            </a:r>
+          </a:p>
+        </p:txBody>
+      </p:sp>
+      <p:sp>
+        <p:nvSpPr>
+          <p:cNvPr id="4" name="Text Placeholder 3">
+            <a:extLst>
+              <a:ext uri="{FF2B5EF4-FFF2-40B4-BE49-F238E27FC236}">
+                <a16:creationId xmlns:a16="http://schemas.microsoft.com/office/drawing/2014/main" id="{AE02EA9C-219E-42F3-9717-B674F53EC18A}"/>
+              </a:ext>
+            </a:extLst>
+          </p:cNvPr>
+          <p:cNvSpPr>
+            <a:spLocks noGrp="1"/>
+          </p:cNvSpPr>
+          <p:nvPr>
+            <p:ph idx="1"/>
+          </p:nvPr>
+        </p:nvSpPr>
+        <p:spPr>
+          <a:xfrm>
+            <a:off x="838200" y="1825626"/>
+            <a:ext cx="5163589" cy="2023168"/>
+          </a:xfrm>
+        </p:spPr>
+        <p:txBody>
+          <a:bodyPr>
+            <a:normAutofit fontScale="77500" lnSpcReduction="20000"/>
+          </a:bodyPr>
+          <a:lstStyle/>
+          <a:p>
+            <a:pPr marL="0" indent="0">
+              <a:buNone/>
+            </a:pPr>
+            <a:r>
+              <a:rPr lang="en-US" dirty="0"/>
+              <a:t>The console has some very useful features we can explore.</a:t>
+            </a:r>
+          </a:p>
+          <a:p>
+            <a:pPr marL="0" indent="0">
+              <a:buNone/>
+            </a:pPr>
+            <a:r>
+              <a:rPr lang="en-US" dirty="0"/>
+              <a:t>We can look through the tables available to query in the pinned dataset.</a:t>
+            </a:r>
+          </a:p>
+          <a:p>
+            <a:pPr marL="0" indent="0">
+              <a:buNone/>
+            </a:pPr>
+            <a:r>
+              <a:rPr lang="en-US" dirty="0"/>
+              <a:t>By clicking on a single table we can view the columns and data type of those columns.</a:t>
+            </a:r>
+          </a:p>
+        </p:txBody>
+      </p:sp>
+      <p:pic>
+        <p:nvPicPr>
+          <p:cNvPr id="13" name="Picture 12" descr="The BigQuery console page with the sra metadata table selected.">
+            <a:extLst>
+              <a:ext uri="{FF2B5EF4-FFF2-40B4-BE49-F238E27FC236}">
+                <a16:creationId xmlns:a16="http://schemas.microsoft.com/office/drawing/2014/main" id="{44ABCC64-346C-4E5E-BE27-01BC566EE88E}"/>
+              </a:ext>
+            </a:extLst>
+          </p:cNvPr>
+          <p:cNvPicPr>
+            <a:picLocks noChangeAspect="1"/>
+          </p:cNvPicPr>
+          <p:nvPr/>
+        </p:nvPicPr>
+        <p:blipFill>
+          <a:blip r:embed="rId2"/>
+          <a:stretch>
+            <a:fillRect/>
+          </a:stretch>
+        </p:blipFill>
+        <p:spPr>
+          <a:xfrm>
+            <a:off x="665262" y="4197927"/>
+            <a:ext cx="3293247" cy="2477193"/>
+          </a:xfrm>
+          <a:prstGeom prst="rect">
+            <a:avLst/>
+          </a:prstGeom>
+        </p:spPr>
+      </p:pic>
+      <p:sp>
+        <p:nvSpPr>
+          <p:cNvPr id="14" name="Rectangle: Rounded Corners 13" descr="Rectangle drawn around the pinned sra datastore project and the details window that will be shown larger in additional pictures.">
+            <a:extLst>
+              <a:ext uri="{FF2B5EF4-FFF2-40B4-BE49-F238E27FC236}">
+                <a16:creationId xmlns:a16="http://schemas.microsoft.com/office/drawing/2014/main" id="{2E4C5080-581A-4545-9480-92DB54F4BBAD}"/>
+              </a:ext>
+            </a:extLst>
+          </p:cNvPr>
+          <p:cNvSpPr/>
+          <p:nvPr/>
+        </p:nvSpPr>
+        <p:spPr>
+          <a:xfrm>
+            <a:off x="621172" y="5428210"/>
+            <a:ext cx="3293247" cy="1313411"/>
+          </a:xfrm>
+          <a:prstGeom prst="roundRect">
+            <a:avLst/>
+          </a:prstGeom>
+          <a:noFill/>
+          <a:ln w="57150">
+            <a:solidFill>
+              <a:schemeClr val="accent1">
+                <a:lumMod val="60000"/>
+                <a:lumOff val="40000"/>
+              </a:schemeClr>
+            </a:solidFill>
+          </a:ln>
+        </p:spPr>
+        <p:style>
+          <a:lnRef idx="2">
+            <a:schemeClr val="accent1">
+              <a:shade val="50000"/>
+            </a:schemeClr>
+          </a:lnRef>
+          <a:fillRef idx="1">
+            <a:schemeClr val="accent1"/>
+          </a:fillRef>
+          <a:effectRef idx="0">
+            <a:schemeClr val="accent1"/>
+          </a:effectRef>
+          <a:fontRef idx="minor">
+            <a:schemeClr val="lt1"/>
+          </a:fontRef>
+        </p:style>
+        <p:txBody>
+          <a:bodyPr rtlCol="0" anchor="ctr"/>
+          <a:lstStyle/>
+          <a:p>
+            <a:pPr algn="ctr"/>
+            <a:endParaRPr lang="en-US"/>
+          </a:p>
+        </p:txBody>
+      </p:sp>
+      <p:cxnSp>
+        <p:nvCxnSpPr>
+          <p:cNvPr id="16" name="Straight Arrow Connector 15" descr="Arrow from the BigQuery console page to a zoomed in image of the nih-sra-datastore project contents.">
+            <a:extLst>
+              <a:ext uri="{FF2B5EF4-FFF2-40B4-BE49-F238E27FC236}">
+                <a16:creationId xmlns:a16="http://schemas.microsoft.com/office/drawing/2014/main" id="{3A8A9A2D-1338-429B-86CF-61566998993C}"/>
+              </a:ext>
+            </a:extLst>
+          </p:cNvPr>
+          <p:cNvCxnSpPr>
+            <a:cxnSpLocks/>
+          </p:cNvCxnSpPr>
+          <p:nvPr/>
+        </p:nvCxnSpPr>
+        <p:spPr>
+          <a:xfrm flipV="1">
+            <a:off x="1363287" y="1612900"/>
+            <a:ext cx="6943999" cy="4372264"/>
+          </a:xfrm>
+          <a:prstGeom prst="straightConnector1">
+            <a:avLst/>
+          </a:prstGeom>
+          <a:ln>
+            <a:tailEnd type="triangle"/>
+          </a:ln>
+        </p:spPr>
+        <p:style>
+          <a:lnRef idx="1">
+            <a:schemeClr val="accent1"/>
+          </a:lnRef>
+          <a:fillRef idx="0">
+            <a:schemeClr val="accent1"/>
+          </a:fillRef>
+          <a:effectRef idx="0">
+            <a:schemeClr val="accent1"/>
+          </a:effectRef>
+          <a:fontRef idx="minor">
+            <a:schemeClr val="tx1"/>
+          </a:fontRef>
+        </p:style>
+      </p:cxnSp>
+      <p:pic>
+        <p:nvPicPr>
+          <p:cNvPr id="5" name="Picture 4" descr="Zoomed in image of the nih-sra-datastore project contents.">
+            <a:extLst>
+              <a:ext uri="{FF2B5EF4-FFF2-40B4-BE49-F238E27FC236}">
+                <a16:creationId xmlns:a16="http://schemas.microsoft.com/office/drawing/2014/main" id="{99EE5840-8738-4179-A7E7-394FCA7111C6}"/>
+              </a:ext>
+            </a:extLst>
+          </p:cNvPr>
+          <p:cNvPicPr>
+            <a:picLocks noChangeAspect="1"/>
+          </p:cNvPicPr>
+          <p:nvPr/>
+        </p:nvPicPr>
+        <p:blipFill>
+          <a:blip r:embed="rId3"/>
+          <a:stretch>
+            <a:fillRect/>
+          </a:stretch>
+        </p:blipFill>
+        <p:spPr>
+          <a:xfrm>
+            <a:off x="8798757" y="365125"/>
+            <a:ext cx="2819400" cy="2495550"/>
+          </a:xfrm>
+          <a:prstGeom prst="rect">
+            <a:avLst/>
+          </a:prstGeom>
+        </p:spPr>
+      </p:pic>
+      <p:sp>
+        <p:nvSpPr>
+          <p:cNvPr id="6" name="Arrow: Left 5" descr="Arrow pointing to the metadata table of the nih-sra-datastore project.">
+            <a:extLst>
+              <a:ext uri="{FF2B5EF4-FFF2-40B4-BE49-F238E27FC236}">
+                <a16:creationId xmlns:a16="http://schemas.microsoft.com/office/drawing/2014/main" id="{70F4190C-6BB2-4A2C-AFF4-BBDF08F4A17D}"/>
+              </a:ext>
+            </a:extLst>
+          </p:cNvPr>
+          <p:cNvSpPr/>
+          <p:nvPr/>
+        </p:nvSpPr>
+        <p:spPr>
+          <a:xfrm>
+            <a:off x="10659960" y="893706"/>
+            <a:ext cx="513184" cy="391885"/>
+          </a:xfrm>
+          <a:prstGeom prst="leftArrow">
+            <a:avLst/>
+          </a:prstGeom>
+        </p:spPr>
+        <p:style>
+          <a:lnRef idx="2">
+            <a:schemeClr val="accent1">
+              <a:shade val="50000"/>
+            </a:schemeClr>
+          </a:lnRef>
+          <a:fillRef idx="1">
+            <a:schemeClr val="accent1"/>
+          </a:fillRef>
+          <a:effectRef idx="0">
+            <a:schemeClr val="accent1"/>
+          </a:effectRef>
+          <a:fontRef idx="minor">
+            <a:schemeClr val="lt1"/>
+          </a:fontRef>
+        </p:style>
+        <p:txBody>
+          <a:bodyPr rtlCol="0" anchor="ctr"/>
+          <a:lstStyle/>
+          <a:p>
+            <a:pPr algn="ctr"/>
+            <a:endParaRPr lang="en-US"/>
+          </a:p>
+        </p:txBody>
+      </p:sp>
+      <p:cxnSp>
+        <p:nvCxnSpPr>
+          <p:cNvPr id="8" name="Straight Arrow Connector 7" descr="Arrow pointing from the BigQuery console page to a zoomed in image of the column contents of the metadata table of the nih-sra-datastore project.">
+            <a:extLst>
+              <a:ext uri="{FF2B5EF4-FFF2-40B4-BE49-F238E27FC236}">
+                <a16:creationId xmlns:a16="http://schemas.microsoft.com/office/drawing/2014/main" id="{BCE760C9-A846-48E7-A774-D333149F2758}"/>
+              </a:ext>
+            </a:extLst>
+          </p:cNvPr>
+          <p:cNvCxnSpPr>
+            <a:cxnSpLocks/>
+          </p:cNvCxnSpPr>
+          <p:nvPr/>
+        </p:nvCxnSpPr>
+        <p:spPr>
+          <a:xfrm flipV="1">
+            <a:off x="3141733" y="5245331"/>
+            <a:ext cx="3732892" cy="839585"/>
+          </a:xfrm>
+          <a:prstGeom prst="straightConnector1">
+            <a:avLst/>
+          </a:prstGeom>
+          <a:ln>
+            <a:tailEnd type="triangle"/>
+          </a:ln>
+        </p:spPr>
+        <p:style>
+          <a:lnRef idx="1">
+            <a:schemeClr val="accent1"/>
+          </a:lnRef>
+          <a:fillRef idx="0">
+            <a:schemeClr val="accent1"/>
+          </a:fillRef>
+          <a:effectRef idx="0">
+            <a:schemeClr val="accent1"/>
+          </a:effectRef>
+          <a:fontRef idx="minor">
+            <a:schemeClr val="tx1"/>
+          </a:fontRef>
+        </p:style>
+      </p:cxnSp>
+      <p:pic>
+        <p:nvPicPr>
+          <p:cNvPr id="9" name="Picture 8" descr="Zoomed in image of the columns in the metadata table of the nih-sra-datastore project.">
+            <a:extLst>
+              <a:ext uri="{FF2B5EF4-FFF2-40B4-BE49-F238E27FC236}">
+                <a16:creationId xmlns:a16="http://schemas.microsoft.com/office/drawing/2014/main" id="{6AD03673-0B59-4D98-BD35-5F8664DA4305}"/>
+              </a:ext>
+            </a:extLst>
+          </p:cNvPr>
+          <p:cNvPicPr>
+            <a:picLocks noChangeAspect="1"/>
+          </p:cNvPicPr>
+          <p:nvPr/>
+        </p:nvPicPr>
+        <p:blipFill>
+          <a:blip r:embed="rId4"/>
+          <a:stretch>
+            <a:fillRect/>
+          </a:stretch>
+        </p:blipFill>
+        <p:spPr>
+          <a:xfrm>
+            <a:off x="7163575" y="2934394"/>
+            <a:ext cx="4454582" cy="3160513"/>
+          </a:xfrm>
+          <a:prstGeom prst="rect">
+            <a:avLst/>
+          </a:prstGeom>
+        </p:spPr>
+      </p:pic>
+    </p:spTree>
+    <p:extLst>
+      <p:ext uri="{BB962C8B-B14F-4D97-AF65-F5344CB8AC3E}">
+        <p14:creationId xmlns:p14="http://schemas.microsoft.com/office/powerpoint/2010/main" val="2500247434"/>
+      </p:ext>
+    </p:extLst>
+  </p:cSld>
+  <p:clrMapOvr>
+    <a:masterClrMapping/>
+  </p:clrMapOvr>
+</p:sld>
+</file>
+
+<file path=ppt/slides/slide29.xml><?xml version="1.0" encoding="utf-8"?>
+<p:sld xmlns:a="http://schemas.openxmlformats.org/drawingml/2006/main" xmlns:r="http://schemas.openxmlformats.org/officeDocument/2006/relationships" xmlns:p="http://schemas.openxmlformats.org/presentationml/2006/main">
+  <p:cSld>
+    <p:spTree>
+      <p:nvGrpSpPr>
+        <p:cNvPr id="1" name=""/>
+        <p:cNvGrpSpPr/>
+        <p:nvPr/>
+      </p:nvGrpSpPr>
+      <p:grpSpPr>
+        <a:xfrm>
+          <a:off x="0" y="0"/>
+          <a:ext cx="0" cy="0"/>
+          <a:chOff x="0" y="0"/>
+          <a:chExt cx="0" cy="0"/>
+        </a:xfrm>
+      </p:grpSpPr>
+      <p:sp>
+        <p:nvSpPr>
+          <p:cNvPr id="2" name="Title 1">
+            <a:extLst>
+              <a:ext uri="{FF2B5EF4-FFF2-40B4-BE49-F238E27FC236}">
+                <a16:creationId xmlns:a16="http://schemas.microsoft.com/office/drawing/2014/main" id="{A81BB78B-3FEF-4DE2-8021-D398791CFA76}"/>
+              </a:ext>
+            </a:extLst>
+          </p:cNvPr>
+          <p:cNvSpPr>
+            <a:spLocks noGrp="1"/>
+          </p:cNvSpPr>
+          <p:nvPr>
+            <p:ph type="title"/>
+          </p:nvPr>
+        </p:nvSpPr>
+        <p:spPr/>
+        <p:txBody>
+          <a:bodyPr/>
+          <a:lstStyle/>
+          <a:p>
+            <a:r>
+              <a:rPr lang="en-US" dirty="0"/>
+              <a:t>Documentation of SRA Cloud Metadata</a:t>
+            </a:r>
+          </a:p>
+        </p:txBody>
+      </p:sp>
+      <p:sp>
+        <p:nvSpPr>
+          <p:cNvPr id="3" name="Content Placeholder 2">
+            <a:extLst>
+              <a:ext uri="{FF2B5EF4-FFF2-40B4-BE49-F238E27FC236}">
+                <a16:creationId xmlns:a16="http://schemas.microsoft.com/office/drawing/2014/main" id="{41EA55F5-FDD9-450E-9776-D2CD2D1E5C47}"/>
+              </a:ext>
+            </a:extLst>
+          </p:cNvPr>
+          <p:cNvSpPr>
+            <a:spLocks noGrp="1"/>
+          </p:cNvSpPr>
+          <p:nvPr>
+            <p:ph idx="1"/>
+          </p:nvPr>
+        </p:nvSpPr>
+        <p:spPr/>
+        <p:txBody>
+          <a:bodyPr/>
+          <a:lstStyle/>
+          <a:p>
+            <a:pPr marL="0" indent="0">
+              <a:buNone/>
+            </a:pPr>
+            <a:r>
+              <a:rPr lang="en-US" dirty="0"/>
+              <a:t>The SRA documentation page includes:</a:t>
+            </a:r>
+          </a:p>
+          <a:p>
+            <a:pPr marL="0" indent="0">
+              <a:buNone/>
+            </a:pPr>
+            <a:r>
+              <a:rPr lang="en-US" dirty="0"/>
+              <a:t>	Available Tables List </a:t>
+            </a:r>
+          </a:p>
+          <a:p>
+            <a:pPr marL="0" indent="0">
+              <a:buNone/>
+            </a:pPr>
+            <a:r>
+              <a:rPr lang="en-US" dirty="0"/>
+              <a:t>	Text descriptions of the contents of the columns</a:t>
+            </a:r>
+          </a:p>
+          <a:p>
+            <a:pPr marL="0" indent="0">
+              <a:buNone/>
+            </a:pPr>
+            <a:r>
+              <a:rPr lang="en-US" dirty="0"/>
+              <a:t>	Additional example queries </a:t>
+            </a:r>
+          </a:p>
+          <a:p>
+            <a:pPr marL="0" indent="0">
+              <a:buNone/>
+            </a:pPr>
+            <a:r>
+              <a:rPr lang="en-US" dirty="0">
+                <a:hlinkClick r:id="rId2"/>
+              </a:rPr>
+              <a:t>https://www.ncbi.nlm.nih.gov/sra/docs/sra-cloud-based-examples/</a:t>
+            </a:r>
+            <a:endParaRPr lang="en-US" dirty="0"/>
+          </a:p>
+          <a:p>
+            <a:pPr marL="0" indent="0">
+              <a:buNone/>
+            </a:pPr>
+            <a:endParaRPr lang="en-US" dirty="0"/>
+          </a:p>
+        </p:txBody>
+      </p:sp>
+    </p:spTree>
+    <p:extLst>
+      <p:ext uri="{BB962C8B-B14F-4D97-AF65-F5344CB8AC3E}">
+        <p14:creationId xmlns:p14="http://schemas.microsoft.com/office/powerpoint/2010/main" val="3563595517"/>
       </p:ext>
     </p:extLst>
   </p:cSld>
@@ -5336,6 +7320,2300 @@
     <p:extLst>
       <p:ext uri="{BB962C8B-B14F-4D97-AF65-F5344CB8AC3E}">
         <p14:creationId xmlns:p14="http://schemas.microsoft.com/office/powerpoint/2010/main" val="3060144937"/>
+      </p:ext>
+    </p:extLst>
+  </p:cSld>
+  <p:clrMapOvr>
+    <a:masterClrMapping/>
+  </p:clrMapOvr>
+</p:sld>
+</file>
+
+<file path=ppt/slides/slide30.xml><?xml version="1.0" encoding="utf-8"?>
+<p:sld xmlns:a="http://schemas.openxmlformats.org/drawingml/2006/main" xmlns:r="http://schemas.openxmlformats.org/officeDocument/2006/relationships" xmlns:p="http://schemas.openxmlformats.org/presentationml/2006/main">
+  <p:cSld>
+    <p:spTree>
+      <p:nvGrpSpPr>
+        <p:cNvPr id="1" name=""/>
+        <p:cNvGrpSpPr/>
+        <p:nvPr/>
+      </p:nvGrpSpPr>
+      <p:grpSpPr>
+        <a:xfrm>
+          <a:off x="0" y="0"/>
+          <a:ext cx="0" cy="0"/>
+          <a:chOff x="0" y="0"/>
+          <a:chExt cx="0" cy="0"/>
+        </a:xfrm>
+      </p:grpSpPr>
+      <p:sp>
+        <p:nvSpPr>
+          <p:cNvPr id="2" name="Title 1">
+            <a:extLst>
+              <a:ext uri="{FF2B5EF4-FFF2-40B4-BE49-F238E27FC236}">
+                <a16:creationId xmlns:a16="http://schemas.microsoft.com/office/drawing/2014/main" id="{697905AA-A9BE-42F3-9E40-CC5832C208E4}"/>
+              </a:ext>
+            </a:extLst>
+          </p:cNvPr>
+          <p:cNvSpPr>
+            <a:spLocks noGrp="1"/>
+          </p:cNvSpPr>
+          <p:nvPr>
+            <p:ph type="title"/>
+          </p:nvPr>
+        </p:nvSpPr>
+        <p:spPr>
+          <a:xfrm>
+            <a:off x="838200" y="365125"/>
+            <a:ext cx="7166956" cy="1325563"/>
+          </a:xfrm>
+        </p:spPr>
+        <p:txBody>
+          <a:bodyPr/>
+          <a:lstStyle/>
+          <a:p>
+            <a:r>
+              <a:rPr lang="en-US" dirty="0" err="1"/>
+              <a:t>BigQuery</a:t>
+            </a:r>
+            <a:r>
+              <a:rPr lang="en-US" dirty="0"/>
+              <a:t> Charges</a:t>
+            </a:r>
+          </a:p>
+        </p:txBody>
+      </p:sp>
+      <p:sp>
+        <p:nvSpPr>
+          <p:cNvPr id="4" name="Text Placeholder 3">
+            <a:extLst>
+              <a:ext uri="{FF2B5EF4-FFF2-40B4-BE49-F238E27FC236}">
+                <a16:creationId xmlns:a16="http://schemas.microsoft.com/office/drawing/2014/main" id="{01C3BE83-AB86-474C-973A-26F29C33D95F}"/>
+              </a:ext>
+            </a:extLst>
+          </p:cNvPr>
+          <p:cNvSpPr>
+            <a:spLocks noGrp="1"/>
+          </p:cNvSpPr>
+          <p:nvPr>
+            <p:ph idx="1"/>
+          </p:nvPr>
+        </p:nvSpPr>
+        <p:spPr>
+          <a:xfrm>
+            <a:off x="838200" y="1825625"/>
+            <a:ext cx="5257800" cy="4292542"/>
+          </a:xfrm>
+        </p:spPr>
+        <p:txBody>
+          <a:bodyPr>
+            <a:normAutofit fontScale="85000" lnSpcReduction="20000"/>
+          </a:bodyPr>
+          <a:lstStyle/>
+          <a:p>
+            <a:pPr marL="0" indent="0">
+              <a:buNone/>
+            </a:pPr>
+            <a:r>
+              <a:rPr lang="en-US" dirty="0"/>
+              <a:t>We also get a preview of how much data will be searched.</a:t>
+            </a:r>
+          </a:p>
+          <a:p>
+            <a:pPr marL="0" indent="0">
+              <a:buNone/>
+            </a:pPr>
+            <a:r>
+              <a:rPr lang="en-US" dirty="0"/>
+              <a:t>Our example query will look through 17.1 GB of data to get a result.</a:t>
+            </a:r>
+          </a:p>
+          <a:p>
+            <a:pPr marL="0" indent="0">
+              <a:buNone/>
+            </a:pPr>
+            <a:r>
+              <a:rPr lang="en-US" dirty="0"/>
+              <a:t>This is one of the ways you generate cost in </a:t>
+            </a:r>
+            <a:r>
+              <a:rPr lang="en-US" dirty="0" err="1"/>
+              <a:t>BigQuery</a:t>
+            </a:r>
+            <a:endParaRPr lang="en-US" dirty="0"/>
+          </a:p>
+          <a:p>
+            <a:pPr marL="0" indent="0">
+              <a:buNone/>
+            </a:pPr>
+            <a:r>
+              <a:rPr lang="en-US" dirty="0">
+                <a:hlinkClick r:id="rId2"/>
+              </a:rPr>
+              <a:t>https://cloud.google.com/bigquery/pricing</a:t>
+            </a:r>
+            <a:endParaRPr lang="en-US" dirty="0"/>
+          </a:p>
+          <a:p>
+            <a:pPr marL="0" indent="0">
+              <a:buNone/>
+            </a:pPr>
+            <a:r>
+              <a:rPr lang="en-US" dirty="0"/>
+              <a:t>Our example is an on-demand query which currently costs $5.00 per TB searched.</a:t>
+            </a:r>
+          </a:p>
+          <a:p>
+            <a:pPr marL="0" indent="0">
+              <a:buNone/>
+            </a:pPr>
+            <a:r>
+              <a:rPr lang="en-US" dirty="0"/>
+              <a:t>This query would be ~$0.10 to run </a:t>
+            </a:r>
+          </a:p>
+          <a:p>
+            <a:pPr marL="0" indent="0">
+              <a:buNone/>
+            </a:pPr>
+            <a:r>
+              <a:rPr lang="en-US" dirty="0"/>
+              <a:t>The first 1 TB each month is free. </a:t>
+            </a:r>
+          </a:p>
+        </p:txBody>
+      </p:sp>
+      <p:pic>
+        <p:nvPicPr>
+          <p:cNvPr id="5" name="Picture 4" descr="The BigQuery console with the query from slide 9 entered.">
+            <a:extLst>
+              <a:ext uri="{FF2B5EF4-FFF2-40B4-BE49-F238E27FC236}">
+                <a16:creationId xmlns:a16="http://schemas.microsoft.com/office/drawing/2014/main" id="{62F59ECD-2416-46B8-AD6E-02FCC73AD5DE}"/>
+              </a:ext>
+            </a:extLst>
+          </p:cNvPr>
+          <p:cNvPicPr>
+            <a:picLocks noChangeAspect="1"/>
+          </p:cNvPicPr>
+          <p:nvPr/>
+        </p:nvPicPr>
+        <p:blipFill>
+          <a:blip r:embed="rId3"/>
+          <a:stretch>
+            <a:fillRect/>
+          </a:stretch>
+        </p:blipFill>
+        <p:spPr>
+          <a:xfrm>
+            <a:off x="8032305" y="285220"/>
+            <a:ext cx="3237541" cy="2435290"/>
+          </a:xfrm>
+          <a:prstGeom prst="rect">
+            <a:avLst/>
+          </a:prstGeom>
+        </p:spPr>
+      </p:pic>
+      <p:sp>
+        <p:nvSpPr>
+          <p:cNvPr id="6" name="Rectangle: Rounded Corners 5" descr="Rectangle drawn around the query editor section of the BigQuery console.">
+            <a:extLst>
+              <a:ext uri="{FF2B5EF4-FFF2-40B4-BE49-F238E27FC236}">
+                <a16:creationId xmlns:a16="http://schemas.microsoft.com/office/drawing/2014/main" id="{10FAA7B8-2A9E-4FC1-96AA-D0C3CAF7947A}"/>
+              </a:ext>
+            </a:extLst>
+          </p:cNvPr>
+          <p:cNvSpPr/>
+          <p:nvPr/>
+        </p:nvSpPr>
+        <p:spPr>
+          <a:xfrm>
+            <a:off x="9029656" y="569167"/>
+            <a:ext cx="2267339" cy="606490"/>
+          </a:xfrm>
+          <a:prstGeom prst="roundRect">
+            <a:avLst/>
+          </a:prstGeom>
+          <a:noFill/>
+          <a:ln w="57150">
+            <a:solidFill>
+              <a:schemeClr val="accent1">
+                <a:lumMod val="60000"/>
+                <a:lumOff val="40000"/>
+              </a:schemeClr>
+            </a:solidFill>
+          </a:ln>
+        </p:spPr>
+        <p:style>
+          <a:lnRef idx="2">
+            <a:schemeClr val="accent1">
+              <a:shade val="50000"/>
+            </a:schemeClr>
+          </a:lnRef>
+          <a:fillRef idx="1">
+            <a:schemeClr val="accent1"/>
+          </a:fillRef>
+          <a:effectRef idx="0">
+            <a:schemeClr val="accent1"/>
+          </a:effectRef>
+          <a:fontRef idx="minor">
+            <a:schemeClr val="lt1"/>
+          </a:fontRef>
+        </p:style>
+        <p:txBody>
+          <a:bodyPr rtlCol="0" anchor="ctr"/>
+          <a:lstStyle/>
+          <a:p>
+            <a:pPr algn="ctr"/>
+            <a:endParaRPr lang="en-US"/>
+          </a:p>
+        </p:txBody>
+      </p:sp>
+      <p:cxnSp>
+        <p:nvCxnSpPr>
+          <p:cNvPr id="8" name="Straight Arrow Connector 7" descr="Arrow from the query editor portion of the BigQuery console to a zoomed in image of the query editor.">
+            <a:extLst>
+              <a:ext uri="{FF2B5EF4-FFF2-40B4-BE49-F238E27FC236}">
+                <a16:creationId xmlns:a16="http://schemas.microsoft.com/office/drawing/2014/main" id="{ECC7A4F9-0D4B-4385-89DE-B179070F43DD}"/>
+              </a:ext>
+            </a:extLst>
+          </p:cNvPr>
+          <p:cNvCxnSpPr>
+            <a:cxnSpLocks/>
+          </p:cNvCxnSpPr>
+          <p:nvPr/>
+        </p:nvCxnSpPr>
+        <p:spPr>
+          <a:xfrm flipH="1">
+            <a:off x="8248426" y="1219444"/>
+            <a:ext cx="781230" cy="2114105"/>
+          </a:xfrm>
+          <a:prstGeom prst="straightConnector1">
+            <a:avLst/>
+          </a:prstGeom>
+          <a:ln>
+            <a:tailEnd type="triangle"/>
+          </a:ln>
+        </p:spPr>
+        <p:style>
+          <a:lnRef idx="1">
+            <a:schemeClr val="accent1"/>
+          </a:lnRef>
+          <a:fillRef idx="0">
+            <a:schemeClr val="accent1"/>
+          </a:fillRef>
+          <a:effectRef idx="0">
+            <a:schemeClr val="accent1"/>
+          </a:effectRef>
+          <a:fontRef idx="minor">
+            <a:schemeClr val="tx1"/>
+          </a:fontRef>
+        </p:style>
+      </p:cxnSp>
+      <p:pic>
+        <p:nvPicPr>
+          <p:cNvPr id="11" name="Picture 10" descr="Zoomed in image of the query editor with a message that the query will process 17.1 GB when run.">
+            <a:extLst>
+              <a:ext uri="{FF2B5EF4-FFF2-40B4-BE49-F238E27FC236}">
+                <a16:creationId xmlns:a16="http://schemas.microsoft.com/office/drawing/2014/main" id="{D0047848-6A2B-487A-9013-A8164CAC2C4B}"/>
+              </a:ext>
+            </a:extLst>
+          </p:cNvPr>
+          <p:cNvPicPr>
+            <a:picLocks noChangeAspect="1"/>
+          </p:cNvPicPr>
+          <p:nvPr/>
+        </p:nvPicPr>
+        <p:blipFill>
+          <a:blip r:embed="rId4"/>
+          <a:stretch>
+            <a:fillRect/>
+          </a:stretch>
+        </p:blipFill>
+        <p:spPr>
+          <a:xfrm>
+            <a:off x="6096000" y="3429000"/>
+            <a:ext cx="5954193" cy="1375901"/>
+          </a:xfrm>
+          <a:prstGeom prst="rect">
+            <a:avLst/>
+          </a:prstGeom>
+        </p:spPr>
+      </p:pic>
+      <p:sp>
+        <p:nvSpPr>
+          <p:cNvPr id="12" name="Rectangle: Rounded Corners 11" descr="Rectangle around the message showing that 17.1 GB will be processed by this query.">
+            <a:extLst>
+              <a:ext uri="{FF2B5EF4-FFF2-40B4-BE49-F238E27FC236}">
+                <a16:creationId xmlns:a16="http://schemas.microsoft.com/office/drawing/2014/main" id="{E1492803-E752-4FEC-8765-5A88D6B1954C}"/>
+              </a:ext>
+            </a:extLst>
+          </p:cNvPr>
+          <p:cNvSpPr/>
+          <p:nvPr/>
+        </p:nvSpPr>
+        <p:spPr>
+          <a:xfrm>
+            <a:off x="9651076" y="4447309"/>
+            <a:ext cx="2269375" cy="507076"/>
+          </a:xfrm>
+          <a:prstGeom prst="roundRect">
+            <a:avLst/>
+          </a:prstGeom>
+          <a:noFill/>
+          <a:ln w="57150">
+            <a:solidFill>
+              <a:schemeClr val="accent1">
+                <a:lumMod val="60000"/>
+                <a:lumOff val="40000"/>
+              </a:schemeClr>
+            </a:solidFill>
+          </a:ln>
+        </p:spPr>
+        <p:style>
+          <a:lnRef idx="2">
+            <a:schemeClr val="accent1">
+              <a:shade val="50000"/>
+            </a:schemeClr>
+          </a:lnRef>
+          <a:fillRef idx="1">
+            <a:schemeClr val="accent1"/>
+          </a:fillRef>
+          <a:effectRef idx="0">
+            <a:schemeClr val="accent1"/>
+          </a:effectRef>
+          <a:fontRef idx="minor">
+            <a:schemeClr val="lt1"/>
+          </a:fontRef>
+        </p:style>
+        <p:txBody>
+          <a:bodyPr rtlCol="0" anchor="ctr"/>
+          <a:lstStyle/>
+          <a:p>
+            <a:pPr algn="ctr"/>
+            <a:endParaRPr lang="en-US"/>
+          </a:p>
+        </p:txBody>
+      </p:sp>
+    </p:spTree>
+    <p:extLst>
+      <p:ext uri="{BB962C8B-B14F-4D97-AF65-F5344CB8AC3E}">
+        <p14:creationId xmlns:p14="http://schemas.microsoft.com/office/powerpoint/2010/main" val="3804410893"/>
+      </p:ext>
+    </p:extLst>
+  </p:cSld>
+  <p:clrMapOvr>
+    <a:masterClrMapping/>
+  </p:clrMapOvr>
+</p:sld>
+</file>
+
+<file path=ppt/slides/slide31.xml><?xml version="1.0" encoding="utf-8"?>
+<p:sld xmlns:a="http://schemas.openxmlformats.org/drawingml/2006/main" xmlns:r="http://schemas.openxmlformats.org/officeDocument/2006/relationships" xmlns:p="http://schemas.openxmlformats.org/presentationml/2006/main">
+  <p:cSld>
+    <p:spTree>
+      <p:nvGrpSpPr>
+        <p:cNvPr id="1" name=""/>
+        <p:cNvGrpSpPr/>
+        <p:nvPr/>
+      </p:nvGrpSpPr>
+      <p:grpSpPr>
+        <a:xfrm>
+          <a:off x="0" y="0"/>
+          <a:ext cx="0" cy="0"/>
+          <a:chOff x="0" y="0"/>
+          <a:chExt cx="0" cy="0"/>
+        </a:xfrm>
+      </p:grpSpPr>
+      <p:sp>
+        <p:nvSpPr>
+          <p:cNvPr id="2" name="Title 1">
+            <a:extLst>
+              <a:ext uri="{FF2B5EF4-FFF2-40B4-BE49-F238E27FC236}">
+                <a16:creationId xmlns:a16="http://schemas.microsoft.com/office/drawing/2014/main" id="{27285467-5FFF-44AD-B052-56AE1BDB90B7}"/>
+              </a:ext>
+            </a:extLst>
+          </p:cNvPr>
+          <p:cNvSpPr>
+            <a:spLocks noGrp="1"/>
+          </p:cNvSpPr>
+          <p:nvPr>
+            <p:ph type="title"/>
+          </p:nvPr>
+        </p:nvSpPr>
+        <p:spPr>
+          <a:xfrm>
+            <a:off x="423949" y="365125"/>
+            <a:ext cx="11163993" cy="1325563"/>
+          </a:xfrm>
+        </p:spPr>
+        <p:txBody>
+          <a:bodyPr/>
+          <a:lstStyle/>
+          <a:p>
+            <a:r>
+              <a:rPr lang="en-US" dirty="0"/>
+              <a:t>Running a Query</a:t>
+            </a:r>
+          </a:p>
+        </p:txBody>
+      </p:sp>
+      <p:sp>
+        <p:nvSpPr>
+          <p:cNvPr id="4" name="Text Placeholder 3">
+            <a:extLst>
+              <a:ext uri="{FF2B5EF4-FFF2-40B4-BE49-F238E27FC236}">
+                <a16:creationId xmlns:a16="http://schemas.microsoft.com/office/drawing/2014/main" id="{548B319C-EBD6-4D10-9807-0F27D4E33D61}"/>
+              </a:ext>
+            </a:extLst>
+          </p:cNvPr>
+          <p:cNvSpPr>
+            <a:spLocks noGrp="1"/>
+          </p:cNvSpPr>
+          <p:nvPr>
+            <p:ph idx="1"/>
+          </p:nvPr>
+        </p:nvSpPr>
+        <p:spPr>
+          <a:xfrm>
+            <a:off x="838200" y="1371601"/>
+            <a:ext cx="5248666" cy="4312920"/>
+          </a:xfrm>
+        </p:spPr>
+        <p:txBody>
+          <a:bodyPr/>
+          <a:lstStyle/>
+          <a:p>
+            <a:pPr marL="0" indent="0">
+              <a:buNone/>
+            </a:pPr>
+            <a:r>
+              <a:rPr lang="en-US" dirty="0"/>
+              <a:t>Click RUN to run the query.</a:t>
+            </a:r>
+          </a:p>
+          <a:p>
+            <a:pPr marL="0" indent="0">
+              <a:buNone/>
+            </a:pPr>
+            <a:r>
+              <a:rPr lang="en-US" dirty="0"/>
+              <a:t>While the query is running the console will show live updates on the status of the query.</a:t>
+            </a:r>
+          </a:p>
+          <a:p>
+            <a:pPr marL="0" indent="0">
+              <a:buNone/>
+            </a:pPr>
+            <a:r>
+              <a:rPr lang="en-US" dirty="0"/>
+              <a:t>Once the query finishes the results will display in the lower right portion of the console.</a:t>
+            </a:r>
+          </a:p>
+        </p:txBody>
+      </p:sp>
+      <p:pic>
+        <p:nvPicPr>
+          <p:cNvPr id="7" name="Picture 6" descr="The BigQuery console showing a query to run.">
+            <a:extLst>
+              <a:ext uri="{FF2B5EF4-FFF2-40B4-BE49-F238E27FC236}">
+                <a16:creationId xmlns:a16="http://schemas.microsoft.com/office/drawing/2014/main" id="{FEA284E6-2A9E-4751-AC4A-A013AA5FA718}"/>
+              </a:ext>
+            </a:extLst>
+          </p:cNvPr>
+          <p:cNvPicPr>
+            <a:picLocks noChangeAspect="1"/>
+          </p:cNvPicPr>
+          <p:nvPr/>
+        </p:nvPicPr>
+        <p:blipFill>
+          <a:blip r:embed="rId2">
+            <a:extLst>
+              <a:ext uri="{28A0092B-C50C-407E-A947-70E740481C1C}">
+                <a14:useLocalDpi xmlns:a14="http://schemas.microsoft.com/office/drawing/2010/main" val="0"/>
+              </a:ext>
+            </a:extLst>
+          </a:blip>
+          <a:stretch>
+            <a:fillRect/>
+          </a:stretch>
+        </p:blipFill>
+        <p:spPr>
+          <a:xfrm>
+            <a:off x="6096000" y="151605"/>
+            <a:ext cx="5067230" cy="3811589"/>
+          </a:xfrm>
+          <a:prstGeom prst="rect">
+            <a:avLst/>
+          </a:prstGeom>
+        </p:spPr>
+      </p:pic>
+      <p:sp>
+        <p:nvSpPr>
+          <p:cNvPr id="8" name="Arrow: Up 7" descr="Arrow pointing at the run button in the BigQuery console.">
+            <a:extLst>
+              <a:ext uri="{FF2B5EF4-FFF2-40B4-BE49-F238E27FC236}">
+                <a16:creationId xmlns:a16="http://schemas.microsoft.com/office/drawing/2014/main" id="{4FFFB46A-8AFE-4217-BE0B-EA1FB539022E}"/>
+              </a:ext>
+            </a:extLst>
+          </p:cNvPr>
+          <p:cNvSpPr/>
+          <p:nvPr/>
+        </p:nvSpPr>
+        <p:spPr>
+          <a:xfrm>
+            <a:off x="7696565" y="1371600"/>
+            <a:ext cx="401217" cy="685800"/>
+          </a:xfrm>
+          <a:prstGeom prst="upArrow">
+            <a:avLst/>
+          </a:prstGeom>
+        </p:spPr>
+        <p:style>
+          <a:lnRef idx="2">
+            <a:schemeClr val="accent1">
+              <a:shade val="50000"/>
+            </a:schemeClr>
+          </a:lnRef>
+          <a:fillRef idx="1">
+            <a:schemeClr val="accent1"/>
+          </a:fillRef>
+          <a:effectRef idx="0">
+            <a:schemeClr val="accent1"/>
+          </a:effectRef>
+          <a:fontRef idx="minor">
+            <a:schemeClr val="lt1"/>
+          </a:fontRef>
+        </p:style>
+        <p:txBody>
+          <a:bodyPr rtlCol="0" anchor="ctr"/>
+          <a:lstStyle/>
+          <a:p>
+            <a:pPr algn="ctr"/>
+            <a:endParaRPr lang="en-US"/>
+          </a:p>
+        </p:txBody>
+      </p:sp>
+      <p:pic>
+        <p:nvPicPr>
+          <p:cNvPr id="9" name="Picture 8" descr="Zoomed in image of the query editor with a query currently running.">
+            <a:extLst>
+              <a:ext uri="{FF2B5EF4-FFF2-40B4-BE49-F238E27FC236}">
+                <a16:creationId xmlns:a16="http://schemas.microsoft.com/office/drawing/2014/main" id="{751AC4A9-7BAB-4C90-A792-D7AECDA9C13A}"/>
+              </a:ext>
+            </a:extLst>
+          </p:cNvPr>
+          <p:cNvPicPr>
+            <a:picLocks noChangeAspect="1"/>
+          </p:cNvPicPr>
+          <p:nvPr/>
+        </p:nvPicPr>
+        <p:blipFill>
+          <a:blip r:embed="rId3"/>
+          <a:stretch>
+            <a:fillRect/>
+          </a:stretch>
+        </p:blipFill>
+        <p:spPr>
+          <a:xfrm>
+            <a:off x="4772025" y="4786584"/>
+            <a:ext cx="7089025" cy="1301150"/>
+          </a:xfrm>
+          <a:prstGeom prst="rect">
+            <a:avLst/>
+          </a:prstGeom>
+        </p:spPr>
+      </p:pic>
+      <p:sp>
+        <p:nvSpPr>
+          <p:cNvPr id="3" name="Rectangle: Rounded Corners 2" descr="Rectangle of the message showing a query has been running for 9.5 seconds.">
+            <a:extLst>
+              <a:ext uri="{FF2B5EF4-FFF2-40B4-BE49-F238E27FC236}">
+                <a16:creationId xmlns:a16="http://schemas.microsoft.com/office/drawing/2014/main" id="{0FADA4D7-87AA-4808-9B1C-F94DAFC8CC27}"/>
+              </a:ext>
+            </a:extLst>
+          </p:cNvPr>
+          <p:cNvSpPr/>
+          <p:nvPr/>
+        </p:nvSpPr>
+        <p:spPr>
+          <a:xfrm>
+            <a:off x="9947564" y="5606473"/>
+            <a:ext cx="2068945" cy="481261"/>
+          </a:xfrm>
+          <a:prstGeom prst="roundRect">
+            <a:avLst/>
+          </a:prstGeom>
+          <a:noFill/>
+          <a:ln w="57150">
+            <a:solidFill>
+              <a:schemeClr val="accent1">
+                <a:lumMod val="60000"/>
+                <a:lumOff val="40000"/>
+              </a:schemeClr>
+            </a:solidFill>
+          </a:ln>
+        </p:spPr>
+        <p:style>
+          <a:lnRef idx="2">
+            <a:schemeClr val="accent1">
+              <a:shade val="50000"/>
+            </a:schemeClr>
+          </a:lnRef>
+          <a:fillRef idx="1">
+            <a:schemeClr val="accent1"/>
+          </a:fillRef>
+          <a:effectRef idx="0">
+            <a:schemeClr val="accent1"/>
+          </a:effectRef>
+          <a:fontRef idx="minor">
+            <a:schemeClr val="lt1"/>
+          </a:fontRef>
+        </p:style>
+        <p:txBody>
+          <a:bodyPr rtlCol="0" anchor="ctr"/>
+          <a:lstStyle/>
+          <a:p>
+            <a:pPr algn="ctr"/>
+            <a:endParaRPr lang="en-US"/>
+          </a:p>
+        </p:txBody>
+      </p:sp>
+    </p:spTree>
+    <p:extLst>
+      <p:ext uri="{BB962C8B-B14F-4D97-AF65-F5344CB8AC3E}">
+        <p14:creationId xmlns:p14="http://schemas.microsoft.com/office/powerpoint/2010/main" val="2824821681"/>
+      </p:ext>
+    </p:extLst>
+  </p:cSld>
+  <p:clrMapOvr>
+    <a:masterClrMapping/>
+  </p:clrMapOvr>
+</p:sld>
+</file>
+
+<file path=ppt/slides/slide32.xml><?xml version="1.0" encoding="utf-8"?>
+<p:sld xmlns:a="http://schemas.openxmlformats.org/drawingml/2006/main" xmlns:r="http://schemas.openxmlformats.org/officeDocument/2006/relationships" xmlns:p="http://schemas.openxmlformats.org/presentationml/2006/main">
+  <p:cSld>
+    <p:spTree>
+      <p:nvGrpSpPr>
+        <p:cNvPr id="1" name=""/>
+        <p:cNvGrpSpPr/>
+        <p:nvPr/>
+      </p:nvGrpSpPr>
+      <p:grpSpPr>
+        <a:xfrm>
+          <a:off x="0" y="0"/>
+          <a:ext cx="0" cy="0"/>
+          <a:chOff x="0" y="0"/>
+          <a:chExt cx="0" cy="0"/>
+        </a:xfrm>
+      </p:grpSpPr>
+      <p:sp>
+        <p:nvSpPr>
+          <p:cNvPr id="2" name="Title 1">
+            <a:extLst>
+              <a:ext uri="{FF2B5EF4-FFF2-40B4-BE49-F238E27FC236}">
+                <a16:creationId xmlns:a16="http://schemas.microsoft.com/office/drawing/2014/main" id="{E5096A7D-E46C-4C91-882C-0D87126C5707}"/>
+              </a:ext>
+            </a:extLst>
+          </p:cNvPr>
+          <p:cNvSpPr>
+            <a:spLocks noGrp="1"/>
+          </p:cNvSpPr>
+          <p:nvPr>
+            <p:ph type="title"/>
+          </p:nvPr>
+        </p:nvSpPr>
+        <p:spPr/>
+        <p:txBody>
+          <a:bodyPr/>
+          <a:lstStyle/>
+          <a:p>
+            <a:r>
+              <a:rPr lang="en-US" dirty="0" err="1"/>
+              <a:t>BigQuery</a:t>
+            </a:r>
+            <a:r>
+              <a:rPr lang="en-US" dirty="0"/>
+              <a:t> Arrays</a:t>
+            </a:r>
+          </a:p>
+        </p:txBody>
+      </p:sp>
+      <p:sp>
+        <p:nvSpPr>
+          <p:cNvPr id="4" name="Text Placeholder 3">
+            <a:extLst>
+              <a:ext uri="{FF2B5EF4-FFF2-40B4-BE49-F238E27FC236}">
+                <a16:creationId xmlns:a16="http://schemas.microsoft.com/office/drawing/2014/main" id="{3344F769-C38A-42E4-8903-8C33431C12A7}"/>
+              </a:ext>
+            </a:extLst>
+          </p:cNvPr>
+          <p:cNvSpPr>
+            <a:spLocks noGrp="1"/>
+          </p:cNvSpPr>
+          <p:nvPr>
+            <p:ph idx="1"/>
+          </p:nvPr>
+        </p:nvSpPr>
+        <p:spPr>
+          <a:xfrm>
+            <a:off x="838200" y="1825625"/>
+            <a:ext cx="4810611" cy="3858895"/>
+          </a:xfrm>
+        </p:spPr>
+        <p:txBody>
+          <a:bodyPr>
+            <a:normAutofit fontScale="92500" lnSpcReduction="20000"/>
+          </a:bodyPr>
+          <a:lstStyle/>
+          <a:p>
+            <a:pPr marL="0" indent="0">
+              <a:buNone/>
+            </a:pPr>
+            <a:r>
+              <a:rPr lang="en-US" dirty="0"/>
+              <a:t>You might expect to see one record per row on the results but </a:t>
+            </a:r>
+            <a:r>
+              <a:rPr lang="en-US" dirty="0" err="1"/>
+              <a:t>BigQuery</a:t>
+            </a:r>
+            <a:r>
+              <a:rPr lang="en-US" dirty="0"/>
+              <a:t> supports an array feature for multi-value fields.</a:t>
+            </a:r>
+          </a:p>
+          <a:p>
+            <a:pPr marL="0" indent="0">
+              <a:buNone/>
+            </a:pPr>
+            <a:r>
+              <a:rPr lang="en-US" dirty="0"/>
+              <a:t>Scrolling to the right on this record we can find several columns that have multiple lines for this one record.</a:t>
+            </a:r>
+          </a:p>
+          <a:p>
+            <a:pPr marL="0" indent="0">
+              <a:buNone/>
+            </a:pPr>
+            <a:r>
+              <a:rPr lang="en-US" dirty="0"/>
+              <a:t>We won’t go into depth on the data structure in these columns but it is an important feature of </a:t>
+            </a:r>
+            <a:r>
+              <a:rPr lang="en-US" dirty="0" err="1"/>
+              <a:t>BigQuery</a:t>
+            </a:r>
+            <a:endParaRPr lang="en-US" dirty="0"/>
+          </a:p>
+        </p:txBody>
+      </p:sp>
+      <p:pic>
+        <p:nvPicPr>
+          <p:cNvPr id="6" name="Picture 5" descr="The query results page showing a record that has an array in the contents.">
+            <a:extLst>
+              <a:ext uri="{FF2B5EF4-FFF2-40B4-BE49-F238E27FC236}">
+                <a16:creationId xmlns:a16="http://schemas.microsoft.com/office/drawing/2014/main" id="{5837D51C-AB63-4CBE-8437-7BB893D56373}"/>
+              </a:ext>
+            </a:extLst>
+          </p:cNvPr>
+          <p:cNvPicPr>
+            <a:picLocks noChangeAspect="1"/>
+          </p:cNvPicPr>
+          <p:nvPr/>
+        </p:nvPicPr>
+        <p:blipFill>
+          <a:blip r:embed="rId2"/>
+          <a:stretch>
+            <a:fillRect/>
+          </a:stretch>
+        </p:blipFill>
+        <p:spPr>
+          <a:xfrm>
+            <a:off x="6478561" y="1250303"/>
+            <a:ext cx="4938657" cy="2881345"/>
+          </a:xfrm>
+          <a:prstGeom prst="rect">
+            <a:avLst/>
+          </a:prstGeom>
+        </p:spPr>
+      </p:pic>
+      <p:pic>
+        <p:nvPicPr>
+          <p:cNvPr id="7" name="Picture 6" descr="Showing more of the same single record in the query results with data stored as an array in BigQuery.">
+            <a:extLst>
+              <a:ext uri="{FF2B5EF4-FFF2-40B4-BE49-F238E27FC236}">
+                <a16:creationId xmlns:a16="http://schemas.microsoft.com/office/drawing/2014/main" id="{4FCF0964-AED7-43CE-825B-810D74EC9951}"/>
+              </a:ext>
+            </a:extLst>
+          </p:cNvPr>
+          <p:cNvPicPr>
+            <a:picLocks noChangeAspect="1"/>
+          </p:cNvPicPr>
+          <p:nvPr/>
+        </p:nvPicPr>
+        <p:blipFill>
+          <a:blip r:embed="rId3"/>
+          <a:stretch>
+            <a:fillRect/>
+          </a:stretch>
+        </p:blipFill>
+        <p:spPr>
+          <a:xfrm>
+            <a:off x="5775648" y="4336921"/>
+            <a:ext cx="6267061" cy="1636919"/>
+          </a:xfrm>
+          <a:prstGeom prst="rect">
+            <a:avLst/>
+          </a:prstGeom>
+        </p:spPr>
+      </p:pic>
+    </p:spTree>
+    <p:extLst>
+      <p:ext uri="{BB962C8B-B14F-4D97-AF65-F5344CB8AC3E}">
+        <p14:creationId xmlns:p14="http://schemas.microsoft.com/office/powerpoint/2010/main" val="1218587916"/>
+      </p:ext>
+    </p:extLst>
+  </p:cSld>
+  <p:clrMapOvr>
+    <a:masterClrMapping/>
+  </p:clrMapOvr>
+</p:sld>
+</file>
+
+<file path=ppt/slides/slide33.xml><?xml version="1.0" encoding="utf-8"?>
+<p:sld xmlns:a="http://schemas.openxmlformats.org/drawingml/2006/main" xmlns:r="http://schemas.openxmlformats.org/officeDocument/2006/relationships" xmlns:p="http://schemas.openxmlformats.org/presentationml/2006/main">
+  <p:cSld>
+    <p:spTree>
+      <p:nvGrpSpPr>
+        <p:cNvPr id="1" name=""/>
+        <p:cNvGrpSpPr/>
+        <p:nvPr/>
+      </p:nvGrpSpPr>
+      <p:grpSpPr>
+        <a:xfrm>
+          <a:off x="0" y="0"/>
+          <a:ext cx="0" cy="0"/>
+          <a:chOff x="0" y="0"/>
+          <a:chExt cx="0" cy="0"/>
+        </a:xfrm>
+      </p:grpSpPr>
+      <p:sp>
+        <p:nvSpPr>
+          <p:cNvPr id="2" name="Title 1">
+            <a:extLst>
+              <a:ext uri="{FF2B5EF4-FFF2-40B4-BE49-F238E27FC236}">
+                <a16:creationId xmlns:a16="http://schemas.microsoft.com/office/drawing/2014/main" id="{72B84329-D722-4B6F-9F0A-EEA24D30A061}"/>
+              </a:ext>
+            </a:extLst>
+          </p:cNvPr>
+          <p:cNvSpPr>
+            <a:spLocks noGrp="1"/>
+          </p:cNvSpPr>
+          <p:nvPr>
+            <p:ph type="title"/>
+          </p:nvPr>
+        </p:nvSpPr>
+        <p:spPr/>
+        <p:txBody>
+          <a:bodyPr/>
+          <a:lstStyle/>
+          <a:p>
+            <a:r>
+              <a:rPr lang="en-US" dirty="0" err="1"/>
+              <a:t>Unnesting</a:t>
+            </a:r>
+            <a:r>
+              <a:rPr lang="en-US" dirty="0"/>
+              <a:t> Arrays</a:t>
+            </a:r>
+          </a:p>
+        </p:txBody>
+      </p:sp>
+      <p:sp>
+        <p:nvSpPr>
+          <p:cNvPr id="4" name="Text Placeholder 3">
+            <a:extLst>
+              <a:ext uri="{FF2B5EF4-FFF2-40B4-BE49-F238E27FC236}">
+                <a16:creationId xmlns:a16="http://schemas.microsoft.com/office/drawing/2014/main" id="{0DE1E66D-A5A0-438A-B724-01C573D28525}"/>
+              </a:ext>
+            </a:extLst>
+          </p:cNvPr>
+          <p:cNvSpPr>
+            <a:spLocks noGrp="1"/>
+          </p:cNvSpPr>
+          <p:nvPr>
+            <p:ph idx="1"/>
+          </p:nvPr>
+        </p:nvSpPr>
+        <p:spPr>
+          <a:xfrm>
+            <a:off x="838200" y="1825625"/>
+            <a:ext cx="5257800" cy="3858895"/>
+          </a:xfrm>
+        </p:spPr>
+        <p:txBody>
+          <a:bodyPr>
+            <a:normAutofit fontScale="77500" lnSpcReduction="20000"/>
+          </a:bodyPr>
+          <a:lstStyle/>
+          <a:p>
+            <a:pPr marL="0" indent="0">
+              <a:buNone/>
+            </a:pPr>
+            <a:r>
+              <a:rPr lang="en-US" dirty="0"/>
+              <a:t>Here is an example search that will filter for a value in one of those columns.</a:t>
+            </a:r>
+          </a:p>
+          <a:p>
+            <a:pPr marL="0" indent="0">
+              <a:buNone/>
+            </a:pPr>
+            <a:r>
+              <a:rPr lang="en-US" b="1" dirty="0"/>
+              <a:t>SELECT *</a:t>
+            </a:r>
+          </a:p>
+          <a:p>
+            <a:pPr marL="0" indent="0">
+              <a:buNone/>
+            </a:pPr>
+            <a:r>
+              <a:rPr lang="en-US" b="1" dirty="0"/>
+              <a:t>FROM `</a:t>
+            </a:r>
+            <a:r>
+              <a:rPr lang="en-US" b="1" dirty="0" err="1"/>
+              <a:t>nih</a:t>
+            </a:r>
+            <a:r>
+              <a:rPr lang="en-US" b="1" dirty="0"/>
+              <a:t>-sra-</a:t>
+            </a:r>
+            <a:r>
+              <a:rPr lang="en-US" b="1" dirty="0" err="1"/>
+              <a:t>datastore.sra.metadata</a:t>
+            </a:r>
+            <a:r>
+              <a:rPr lang="en-US" b="1" dirty="0"/>
+              <a:t>` as s</a:t>
+            </a:r>
+          </a:p>
+          <a:p>
+            <a:pPr marL="0" indent="0">
+              <a:buNone/>
+            </a:pPr>
+            <a:r>
+              <a:rPr lang="en-US" b="1" dirty="0"/>
+              <a:t>WHERE organism = 'Homo sapiens' and ( ('</a:t>
+            </a:r>
+            <a:r>
+              <a:rPr lang="en-US" b="1" dirty="0" err="1"/>
+              <a:t>body_site_sam</a:t>
+            </a:r>
+            <a:r>
+              <a:rPr lang="en-US" b="1" dirty="0"/>
+              <a:t>', 'peripheral blood granulocytes') in UNNEST(</a:t>
+            </a:r>
+            <a:r>
+              <a:rPr lang="en-US" b="1" dirty="0" err="1"/>
+              <a:t>s.attributes</a:t>
+            </a:r>
+            <a:r>
+              <a:rPr lang="en-US" b="1" dirty="0"/>
+              <a:t>) )</a:t>
+            </a:r>
+          </a:p>
+          <a:p>
+            <a:pPr marL="0" indent="0">
+              <a:buNone/>
+            </a:pPr>
+            <a:r>
+              <a:rPr lang="en-US" dirty="0"/>
+              <a:t>The </a:t>
+            </a:r>
+            <a:r>
+              <a:rPr lang="en-US" dirty="0" err="1"/>
+              <a:t>unnest</a:t>
+            </a:r>
+            <a:r>
+              <a:rPr lang="en-US" dirty="0"/>
+              <a:t> function is allowing us to search the key ‘</a:t>
+            </a:r>
+            <a:r>
+              <a:rPr lang="en-US" dirty="0" err="1"/>
+              <a:t>body_side_sam</a:t>
+            </a:r>
+            <a:r>
+              <a:rPr lang="en-US" dirty="0"/>
+              <a:t>’ and find only records with the value ‘peripheral blood granulocytes’</a:t>
+            </a:r>
+          </a:p>
+        </p:txBody>
+      </p:sp>
+      <p:pic>
+        <p:nvPicPr>
+          <p:cNvPr id="5" name="Picture 4" descr="The query editor with the query described in the text entered.">
+            <a:extLst>
+              <a:ext uri="{FF2B5EF4-FFF2-40B4-BE49-F238E27FC236}">
+                <a16:creationId xmlns:a16="http://schemas.microsoft.com/office/drawing/2014/main" id="{665FB976-7781-46F7-AA48-68CC0ECDEA0C}"/>
+              </a:ext>
+            </a:extLst>
+          </p:cNvPr>
+          <p:cNvPicPr>
+            <a:picLocks noChangeAspect="1"/>
+          </p:cNvPicPr>
+          <p:nvPr/>
+        </p:nvPicPr>
+        <p:blipFill>
+          <a:blip r:embed="rId2"/>
+          <a:stretch>
+            <a:fillRect/>
+          </a:stretch>
+        </p:blipFill>
+        <p:spPr>
+          <a:xfrm>
+            <a:off x="6096000" y="1301912"/>
+            <a:ext cx="5779483" cy="4254176"/>
+          </a:xfrm>
+          <a:prstGeom prst="rect">
+            <a:avLst/>
+          </a:prstGeom>
+        </p:spPr>
+      </p:pic>
+    </p:spTree>
+    <p:extLst>
+      <p:ext uri="{BB962C8B-B14F-4D97-AF65-F5344CB8AC3E}">
+        <p14:creationId xmlns:p14="http://schemas.microsoft.com/office/powerpoint/2010/main" val="328858245"/>
+      </p:ext>
+    </p:extLst>
+  </p:cSld>
+  <p:clrMapOvr>
+    <a:masterClrMapping/>
+  </p:clrMapOvr>
+</p:sld>
+</file>
+
+<file path=ppt/slides/slide34.xml><?xml version="1.0" encoding="utf-8"?>
+<p:sld xmlns:a="http://schemas.openxmlformats.org/drawingml/2006/main" xmlns:r="http://schemas.openxmlformats.org/officeDocument/2006/relationships" xmlns:p="http://schemas.openxmlformats.org/presentationml/2006/main">
+  <p:cSld>
+    <p:spTree>
+      <p:nvGrpSpPr>
+        <p:cNvPr id="1" name=""/>
+        <p:cNvGrpSpPr/>
+        <p:nvPr/>
+      </p:nvGrpSpPr>
+      <p:grpSpPr>
+        <a:xfrm>
+          <a:off x="0" y="0"/>
+          <a:ext cx="0" cy="0"/>
+          <a:chOff x="0" y="0"/>
+          <a:chExt cx="0" cy="0"/>
+        </a:xfrm>
+      </p:grpSpPr>
+      <p:sp>
+        <p:nvSpPr>
+          <p:cNvPr id="2" name="Title 1">
+            <a:extLst>
+              <a:ext uri="{FF2B5EF4-FFF2-40B4-BE49-F238E27FC236}">
+                <a16:creationId xmlns:a16="http://schemas.microsoft.com/office/drawing/2014/main" id="{E91B48F4-FB56-42E1-A6DB-F50665023B02}"/>
+              </a:ext>
+            </a:extLst>
+          </p:cNvPr>
+          <p:cNvSpPr>
+            <a:spLocks noGrp="1"/>
+          </p:cNvSpPr>
+          <p:nvPr>
+            <p:ph type="title"/>
+          </p:nvPr>
+        </p:nvSpPr>
+        <p:spPr/>
+        <p:txBody>
+          <a:bodyPr/>
+          <a:lstStyle/>
+          <a:p>
+            <a:r>
+              <a:rPr lang="en-US" dirty="0"/>
+              <a:t>Taxonomy Data</a:t>
+            </a:r>
+          </a:p>
+        </p:txBody>
+      </p:sp>
+      <p:sp>
+        <p:nvSpPr>
+          <p:cNvPr id="4" name="Text Placeholder 3">
+            <a:extLst>
+              <a:ext uri="{FF2B5EF4-FFF2-40B4-BE49-F238E27FC236}">
+                <a16:creationId xmlns:a16="http://schemas.microsoft.com/office/drawing/2014/main" id="{EAB0B1AE-46E8-4988-9409-97E47F232448}"/>
+              </a:ext>
+            </a:extLst>
+          </p:cNvPr>
+          <p:cNvSpPr>
+            <a:spLocks noGrp="1"/>
+          </p:cNvSpPr>
+          <p:nvPr>
+            <p:ph idx="1"/>
+          </p:nvPr>
+        </p:nvSpPr>
+        <p:spPr/>
+        <p:txBody>
+          <a:bodyPr>
+            <a:normAutofit fontScale="85000" lnSpcReduction="20000"/>
+          </a:bodyPr>
+          <a:lstStyle/>
+          <a:p>
+            <a:pPr marL="0" indent="0">
+              <a:buNone/>
+            </a:pPr>
+            <a:r>
+              <a:rPr lang="en-US" dirty="0"/>
+              <a:t>In addition to metadata from the SRA database, there is also the </a:t>
+            </a:r>
+            <a:r>
+              <a:rPr lang="en-US" dirty="0" err="1"/>
+              <a:t>sra_tax_analysis_tool</a:t>
+            </a:r>
+            <a:r>
+              <a:rPr lang="en-US" dirty="0"/>
+              <a:t> dataset.</a:t>
+            </a:r>
+          </a:p>
+          <a:p>
+            <a:pPr marL="0" indent="0">
+              <a:buNone/>
+            </a:pPr>
+            <a:r>
+              <a:rPr lang="en-US" dirty="0"/>
+              <a:t>There are four tables in this dataset:</a:t>
+            </a:r>
+          </a:p>
+          <a:p>
+            <a:r>
+              <a:rPr lang="en-US" dirty="0" err="1"/>
+              <a:t>tax_analysis_info</a:t>
+            </a:r>
+            <a:r>
+              <a:rPr lang="en-US" dirty="0"/>
+              <a:t>: a summary table for the results of the STAT tool</a:t>
+            </a:r>
+          </a:p>
+          <a:p>
+            <a:r>
+              <a:rPr lang="en-US" dirty="0" err="1"/>
+              <a:t>tax_analysis</a:t>
+            </a:r>
+            <a:r>
+              <a:rPr lang="en-US" dirty="0"/>
+              <a:t>: use the taxonomy analysis table to locate any number of runs based on </a:t>
+            </a:r>
+            <a:r>
+              <a:rPr lang="en-US" dirty="0" err="1"/>
+              <a:t>kmer</a:t>
+            </a:r>
+            <a:r>
+              <a:rPr lang="en-US" dirty="0"/>
+              <a:t> hits to a particular organism or branch in a taxonomic tree.</a:t>
+            </a:r>
+          </a:p>
+          <a:p>
+            <a:r>
+              <a:rPr lang="en-US" dirty="0"/>
+              <a:t>taxonomy: NCBI Taxonomy database where you can locate the </a:t>
+            </a:r>
+            <a:r>
+              <a:rPr lang="en-US" dirty="0" err="1"/>
+              <a:t>taxid</a:t>
+            </a:r>
+            <a:r>
+              <a:rPr lang="en-US" dirty="0"/>
+              <a:t> based on organism names.</a:t>
+            </a:r>
+          </a:p>
+          <a:p>
+            <a:r>
+              <a:rPr lang="en-US" dirty="0" err="1"/>
+              <a:t>kmer</a:t>
+            </a:r>
+            <a:r>
+              <a:rPr lang="en-US" dirty="0"/>
+              <a:t>: contains </a:t>
+            </a:r>
+            <a:r>
+              <a:rPr lang="en-US" dirty="0" err="1"/>
+              <a:t>kmers</a:t>
+            </a:r>
+            <a:r>
+              <a:rPr lang="en-US" dirty="0"/>
+              <a:t> mapped to a particular organism and allows you to continue exploring organismal content further. You can use </a:t>
+            </a:r>
+            <a:r>
+              <a:rPr lang="en-US" dirty="0" err="1"/>
+              <a:t>kmer</a:t>
+            </a:r>
+            <a:r>
+              <a:rPr lang="en-US" dirty="0"/>
+              <a:t> tables in your downstream analysis by building custom </a:t>
+            </a:r>
+            <a:r>
+              <a:rPr lang="en-US" dirty="0" err="1"/>
+              <a:t>kmer</a:t>
+            </a:r>
+            <a:r>
+              <a:rPr lang="en-US" dirty="0"/>
+              <a:t> libraries.</a:t>
+            </a:r>
+          </a:p>
+          <a:p>
+            <a:endParaRPr lang="en-US" dirty="0"/>
+          </a:p>
+        </p:txBody>
+      </p:sp>
+    </p:spTree>
+    <p:extLst>
+      <p:ext uri="{BB962C8B-B14F-4D97-AF65-F5344CB8AC3E}">
+        <p14:creationId xmlns:p14="http://schemas.microsoft.com/office/powerpoint/2010/main" val="3928652278"/>
+      </p:ext>
+    </p:extLst>
+  </p:cSld>
+  <p:clrMapOvr>
+    <a:masterClrMapping/>
+  </p:clrMapOvr>
+</p:sld>
+</file>
+
+<file path=ppt/slides/slide35.xml><?xml version="1.0" encoding="utf-8"?>
+<p:sld xmlns:a="http://schemas.openxmlformats.org/drawingml/2006/main" xmlns:r="http://schemas.openxmlformats.org/officeDocument/2006/relationships" xmlns:p="http://schemas.openxmlformats.org/presentationml/2006/main">
+  <p:cSld>
+    <p:spTree>
+      <p:nvGrpSpPr>
+        <p:cNvPr id="1" name=""/>
+        <p:cNvGrpSpPr/>
+        <p:nvPr/>
+      </p:nvGrpSpPr>
+      <p:grpSpPr>
+        <a:xfrm>
+          <a:off x="0" y="0"/>
+          <a:ext cx="0" cy="0"/>
+          <a:chOff x="0" y="0"/>
+          <a:chExt cx="0" cy="0"/>
+        </a:xfrm>
+      </p:grpSpPr>
+      <p:sp>
+        <p:nvSpPr>
+          <p:cNvPr id="4" name="Title 3">
+            <a:extLst>
+              <a:ext uri="{FF2B5EF4-FFF2-40B4-BE49-F238E27FC236}">
+                <a16:creationId xmlns:a16="http://schemas.microsoft.com/office/drawing/2014/main" id="{89300BE4-AA59-49B4-9EE3-824D27F62F91}"/>
+              </a:ext>
+            </a:extLst>
+          </p:cNvPr>
+          <p:cNvSpPr>
+            <a:spLocks noGrp="1"/>
+          </p:cNvSpPr>
+          <p:nvPr>
+            <p:ph type="title"/>
+          </p:nvPr>
+        </p:nvSpPr>
+        <p:spPr/>
+        <p:txBody>
+          <a:bodyPr/>
+          <a:lstStyle/>
+          <a:p>
+            <a:r>
+              <a:rPr lang="en-US" dirty="0"/>
+              <a:t>Searching in </a:t>
+            </a:r>
+            <a:r>
+              <a:rPr lang="en-US" dirty="0" err="1"/>
+              <a:t>BigQuery</a:t>
+            </a:r>
+            <a:endParaRPr lang="en-US" dirty="0"/>
+          </a:p>
+        </p:txBody>
+      </p:sp>
+      <p:sp>
+        <p:nvSpPr>
+          <p:cNvPr id="6" name="Text Placeholder 5">
+            <a:extLst>
+              <a:ext uri="{FF2B5EF4-FFF2-40B4-BE49-F238E27FC236}">
+                <a16:creationId xmlns:a16="http://schemas.microsoft.com/office/drawing/2014/main" id="{17D85DAE-53A8-45AD-8BE6-078FB3E44A82}"/>
+              </a:ext>
+            </a:extLst>
+          </p:cNvPr>
+          <p:cNvSpPr>
+            <a:spLocks noGrp="1"/>
+          </p:cNvSpPr>
+          <p:nvPr>
+            <p:ph idx="1"/>
+          </p:nvPr>
+        </p:nvSpPr>
+        <p:spPr/>
+        <p:txBody>
+          <a:bodyPr>
+            <a:normAutofit fontScale="92500"/>
+          </a:bodyPr>
+          <a:lstStyle/>
+          <a:p>
+            <a:pPr marL="0" indent="0">
+              <a:buNone/>
+            </a:pPr>
+            <a:r>
+              <a:rPr lang="en-US" dirty="0"/>
+              <a:t>We can join the metadata and the taxonomy data and to search for sequence data in SRA that is from the </a:t>
+            </a:r>
+            <a:r>
+              <a:rPr lang="en-US" dirty="0" err="1"/>
+              <a:t>coronaviridae</a:t>
+            </a:r>
+            <a:r>
+              <a:rPr lang="en-US" dirty="0"/>
+              <a:t> family.</a:t>
+            </a:r>
+          </a:p>
+          <a:p>
+            <a:pPr marL="0" indent="0">
+              <a:buNone/>
+            </a:pPr>
+            <a:r>
+              <a:rPr lang="en-US" sz="2200" b="1" dirty="0">
+                <a:solidFill>
+                  <a:schemeClr val="accent5"/>
+                </a:solidFill>
+              </a:rPr>
+              <a:t>SELECT</a:t>
+            </a:r>
+            <a:r>
+              <a:rPr lang="en-US" sz="2200" b="1" dirty="0"/>
+              <a:t> </a:t>
+            </a:r>
+            <a:r>
+              <a:rPr lang="en-US" sz="2200" b="1" dirty="0" err="1"/>
+              <a:t>m.bioproject</a:t>
+            </a:r>
+            <a:r>
+              <a:rPr lang="en-US" sz="2200" b="1" dirty="0"/>
+              <a:t>, </a:t>
+            </a:r>
+            <a:r>
+              <a:rPr lang="en-US" sz="2200" b="1" dirty="0" err="1"/>
+              <a:t>m.biosample</a:t>
+            </a:r>
+            <a:r>
+              <a:rPr lang="en-US" sz="2200" b="1" dirty="0"/>
+              <a:t>, </a:t>
+            </a:r>
+            <a:r>
+              <a:rPr lang="en-US" sz="2200" b="1" dirty="0" err="1"/>
+              <a:t>m.acc</a:t>
+            </a:r>
+            <a:r>
+              <a:rPr lang="en-US" sz="2200" b="1" dirty="0"/>
+              <a:t>, </a:t>
+            </a:r>
+            <a:r>
+              <a:rPr lang="en-US" sz="2200" b="1" dirty="0" err="1"/>
+              <a:t>m.collection_date_sam</a:t>
+            </a:r>
+            <a:r>
+              <a:rPr lang="en-US" sz="2200" b="1" dirty="0"/>
+              <a:t>, </a:t>
+            </a:r>
+            <a:r>
+              <a:rPr lang="en-US" sz="2200" b="1" dirty="0" err="1"/>
+              <a:t>m.geo_loc_name_sam</a:t>
+            </a:r>
+            <a:r>
+              <a:rPr lang="en-US" sz="2200" b="1" dirty="0"/>
+              <a:t>, </a:t>
+            </a:r>
+          </a:p>
+          <a:p>
+            <a:pPr marL="0" indent="0">
+              <a:buNone/>
+            </a:pPr>
+            <a:r>
+              <a:rPr lang="en-US" sz="2200" b="1" dirty="0"/>
+              <a:t>(select v from </a:t>
+            </a:r>
+            <a:r>
+              <a:rPr lang="en-US" sz="2200" b="1" dirty="0" err="1"/>
+              <a:t>unnest</a:t>
+            </a:r>
+            <a:r>
+              <a:rPr lang="en-US" sz="2200" b="1" dirty="0"/>
+              <a:t>(</a:t>
+            </a:r>
+            <a:r>
+              <a:rPr lang="en-US" sz="2200" b="1" dirty="0" err="1"/>
+              <a:t>m.attributes</a:t>
+            </a:r>
+            <a:r>
+              <a:rPr lang="en-US" sz="2200" b="1" dirty="0"/>
+              <a:t>) where k = '</a:t>
+            </a:r>
+            <a:r>
+              <a:rPr lang="en-US" sz="2200" b="1" dirty="0" err="1"/>
+              <a:t>collected_by_sam</a:t>
+            </a:r>
+            <a:r>
+              <a:rPr lang="en-US" sz="2200" b="1" dirty="0"/>
+              <a:t>') as </a:t>
+            </a:r>
+            <a:r>
+              <a:rPr lang="en-US" sz="2200" b="1" dirty="0" err="1"/>
+              <a:t>collected_by</a:t>
+            </a:r>
+            <a:r>
+              <a:rPr lang="en-US" sz="2200" b="1" dirty="0"/>
+              <a:t>,</a:t>
+            </a:r>
+          </a:p>
+          <a:p>
+            <a:pPr marL="0" indent="0">
+              <a:buNone/>
+            </a:pPr>
+            <a:r>
+              <a:rPr lang="en-US" sz="2200" b="1" dirty="0"/>
+              <a:t>(select v from </a:t>
+            </a:r>
+            <a:r>
+              <a:rPr lang="en-US" sz="2200" b="1" dirty="0" err="1"/>
+              <a:t>unnest</a:t>
+            </a:r>
+            <a:r>
+              <a:rPr lang="en-US" sz="2200" b="1" dirty="0"/>
+              <a:t>(</a:t>
+            </a:r>
+            <a:r>
+              <a:rPr lang="en-US" sz="2200" b="1" dirty="0" err="1"/>
+              <a:t>m.attributes</a:t>
+            </a:r>
+            <a:r>
+              <a:rPr lang="en-US" sz="2200" b="1" dirty="0"/>
+              <a:t>) where k = '</a:t>
+            </a:r>
+            <a:r>
+              <a:rPr lang="en-US" sz="2200" b="1" dirty="0" err="1"/>
+              <a:t>host_sam</a:t>
+            </a:r>
+            <a:r>
+              <a:rPr lang="en-US" sz="2200" b="1" dirty="0"/>
+              <a:t>') as host</a:t>
+            </a:r>
+          </a:p>
+          <a:p>
+            <a:pPr marL="0" indent="0">
+              <a:buNone/>
+            </a:pPr>
+            <a:r>
+              <a:rPr lang="en-US" sz="2200" b="1" dirty="0">
+                <a:solidFill>
+                  <a:schemeClr val="accent5"/>
+                </a:solidFill>
+              </a:rPr>
+              <a:t>FROM</a:t>
+            </a:r>
+            <a:r>
+              <a:rPr lang="en-US" sz="2200" b="1" dirty="0"/>
+              <a:t> `</a:t>
+            </a:r>
+            <a:r>
+              <a:rPr lang="en-US" sz="2200" b="1" dirty="0" err="1"/>
+              <a:t>nih</a:t>
+            </a:r>
+            <a:r>
+              <a:rPr lang="en-US" sz="2200" b="1" dirty="0"/>
+              <a:t>-sra-</a:t>
+            </a:r>
+            <a:r>
+              <a:rPr lang="en-US" sz="2200" b="1" dirty="0" err="1"/>
+              <a:t>datastore.sra.metadata</a:t>
+            </a:r>
+            <a:r>
+              <a:rPr lang="en-US" sz="2200" b="1" dirty="0"/>
+              <a:t>` m , `</a:t>
+            </a:r>
+            <a:r>
+              <a:rPr lang="en-US" sz="2200" b="1" dirty="0" err="1"/>
+              <a:t>nih</a:t>
+            </a:r>
+            <a:r>
+              <a:rPr lang="en-US" sz="2200" b="1" dirty="0"/>
+              <a:t>-sra-</a:t>
+            </a:r>
+            <a:r>
+              <a:rPr lang="en-US" sz="2200" b="1" dirty="0" err="1"/>
+              <a:t>datastore.sra_tax_analysis_tool.tax_analysis</a:t>
+            </a:r>
+            <a:r>
+              <a:rPr lang="en-US" sz="2200" b="1" dirty="0"/>
+              <a:t>` tax</a:t>
+            </a:r>
+          </a:p>
+          <a:p>
+            <a:pPr marL="0" indent="0">
+              <a:buNone/>
+            </a:pPr>
+            <a:r>
+              <a:rPr lang="en-US" sz="2200" b="1" dirty="0">
+                <a:solidFill>
+                  <a:schemeClr val="accent5"/>
+                </a:solidFill>
+              </a:rPr>
+              <a:t>WHERE</a:t>
+            </a:r>
+            <a:r>
+              <a:rPr lang="en-US" sz="2200" b="1" dirty="0"/>
+              <a:t> </a:t>
+            </a:r>
+            <a:r>
+              <a:rPr lang="en-US" sz="2200" b="1" dirty="0" err="1"/>
+              <a:t>m.acc</a:t>
+            </a:r>
+            <a:r>
+              <a:rPr lang="en-US" sz="2200" b="1" dirty="0"/>
+              <a:t> = </a:t>
+            </a:r>
+            <a:r>
+              <a:rPr lang="en-US" sz="2200" b="1" dirty="0" err="1"/>
+              <a:t>tax.acc</a:t>
+            </a:r>
+            <a:endParaRPr lang="en-US" sz="2200" b="1" dirty="0"/>
+          </a:p>
+          <a:p>
+            <a:pPr marL="0" indent="0">
+              <a:buNone/>
+            </a:pPr>
+            <a:r>
+              <a:rPr lang="en-US" sz="2200" b="1" dirty="0"/>
+              <a:t>and tax.name = '</a:t>
+            </a:r>
+            <a:r>
+              <a:rPr lang="en-US" sz="2200" b="1" dirty="0" err="1"/>
+              <a:t>Coronaviridae</a:t>
+            </a:r>
+            <a:r>
+              <a:rPr lang="en-US" sz="2200" b="1" dirty="0"/>
+              <a:t>'</a:t>
+            </a:r>
+          </a:p>
+        </p:txBody>
+      </p:sp>
+    </p:spTree>
+    <p:extLst>
+      <p:ext uri="{BB962C8B-B14F-4D97-AF65-F5344CB8AC3E}">
+        <p14:creationId xmlns:p14="http://schemas.microsoft.com/office/powerpoint/2010/main" val="1041287095"/>
+      </p:ext>
+    </p:extLst>
+  </p:cSld>
+  <p:clrMapOvr>
+    <a:masterClrMapping/>
+  </p:clrMapOvr>
+</p:sld>
+</file>
+
+<file path=ppt/slides/slide36.xml><?xml version="1.0" encoding="utf-8"?>
+<p:sld xmlns:a="http://schemas.openxmlformats.org/drawingml/2006/main" xmlns:r="http://schemas.openxmlformats.org/officeDocument/2006/relationships" xmlns:p="http://schemas.openxmlformats.org/presentationml/2006/main">
+  <p:cSld>
+    <p:spTree>
+      <p:nvGrpSpPr>
+        <p:cNvPr id="1" name=""/>
+        <p:cNvGrpSpPr/>
+        <p:nvPr/>
+      </p:nvGrpSpPr>
+      <p:grpSpPr>
+        <a:xfrm>
+          <a:off x="0" y="0"/>
+          <a:ext cx="0" cy="0"/>
+          <a:chOff x="0" y="0"/>
+          <a:chExt cx="0" cy="0"/>
+        </a:xfrm>
+      </p:grpSpPr>
+      <p:sp>
+        <p:nvSpPr>
+          <p:cNvPr id="2" name="Title 1">
+            <a:extLst>
+              <a:ext uri="{FF2B5EF4-FFF2-40B4-BE49-F238E27FC236}">
+                <a16:creationId xmlns:a16="http://schemas.microsoft.com/office/drawing/2014/main" id="{D6B74727-C848-4647-87B4-3EEAA56E50C9}"/>
+              </a:ext>
+            </a:extLst>
+          </p:cNvPr>
+          <p:cNvSpPr>
+            <a:spLocks noGrp="1"/>
+          </p:cNvSpPr>
+          <p:nvPr>
+            <p:ph type="title"/>
+          </p:nvPr>
+        </p:nvSpPr>
+        <p:spPr/>
+        <p:txBody>
+          <a:bodyPr/>
+          <a:lstStyle/>
+          <a:p>
+            <a:r>
+              <a:rPr lang="en-US" dirty="0"/>
+              <a:t>Searching in </a:t>
+            </a:r>
+            <a:r>
+              <a:rPr lang="en-US" dirty="0" err="1"/>
+              <a:t>BigQuery</a:t>
+            </a:r>
+            <a:endParaRPr lang="en-US" dirty="0"/>
+          </a:p>
+        </p:txBody>
+      </p:sp>
+      <p:sp>
+        <p:nvSpPr>
+          <p:cNvPr id="4" name="Text Placeholder 3">
+            <a:extLst>
+              <a:ext uri="{FF2B5EF4-FFF2-40B4-BE49-F238E27FC236}">
+                <a16:creationId xmlns:a16="http://schemas.microsoft.com/office/drawing/2014/main" id="{8603E114-F8A3-4D94-9A1B-58F4DFB9BA7F}"/>
+              </a:ext>
+            </a:extLst>
+          </p:cNvPr>
+          <p:cNvSpPr>
+            <a:spLocks noGrp="1"/>
+          </p:cNvSpPr>
+          <p:nvPr>
+            <p:ph idx="1"/>
+          </p:nvPr>
+        </p:nvSpPr>
+        <p:spPr>
+          <a:xfrm>
+            <a:off x="838200" y="1825625"/>
+            <a:ext cx="4490258" cy="3858895"/>
+          </a:xfrm>
+        </p:spPr>
+        <p:txBody>
+          <a:bodyPr>
+            <a:normAutofit fontScale="77500" lnSpcReduction="20000"/>
+          </a:bodyPr>
+          <a:lstStyle/>
+          <a:p>
+            <a:pPr marL="0" indent="0">
+              <a:buNone/>
+            </a:pPr>
+            <a:r>
+              <a:rPr lang="en-US" dirty="0"/>
+              <a:t>This query includes the project, sample, and run accessions for all the data we found.  It also shows submitter supplied metadata for date, location, host, and collected by fields.</a:t>
+            </a:r>
+          </a:p>
+          <a:p>
+            <a:pPr marL="0" indent="0">
+              <a:buNone/>
+            </a:pPr>
+            <a:r>
+              <a:rPr lang="en-US" dirty="0"/>
+              <a:t>Note that some of this metadata might not have been provided by the submitter so the presence of certain metadata on one record does not imply it will be present on all records.</a:t>
+            </a:r>
+          </a:p>
+          <a:p>
+            <a:pPr marL="0" indent="0">
+              <a:buNone/>
+            </a:pPr>
+            <a:r>
+              <a:rPr lang="en-US" dirty="0"/>
+              <a:t>Keep that in mind when writing queries.</a:t>
+            </a:r>
+          </a:p>
+          <a:p>
+            <a:endParaRPr lang="en-US" dirty="0"/>
+          </a:p>
+        </p:txBody>
+      </p:sp>
+      <p:pic>
+        <p:nvPicPr>
+          <p:cNvPr id="5" name="Picture 4" descr="Results for the query from the previous slide showing several records with null values in the collected_by column.">
+            <a:extLst>
+              <a:ext uri="{FF2B5EF4-FFF2-40B4-BE49-F238E27FC236}">
+                <a16:creationId xmlns:a16="http://schemas.microsoft.com/office/drawing/2014/main" id="{8EDE9B73-5077-4932-AF0D-723E5E634C45}"/>
+              </a:ext>
+            </a:extLst>
+          </p:cNvPr>
+          <p:cNvPicPr>
+            <a:picLocks noChangeAspect="1"/>
+          </p:cNvPicPr>
+          <p:nvPr/>
+        </p:nvPicPr>
+        <p:blipFill>
+          <a:blip r:embed="rId2"/>
+          <a:stretch>
+            <a:fillRect/>
+          </a:stretch>
+        </p:blipFill>
+        <p:spPr>
+          <a:xfrm>
+            <a:off x="5794498" y="1388413"/>
+            <a:ext cx="6061519" cy="2017136"/>
+          </a:xfrm>
+          <a:prstGeom prst="rect">
+            <a:avLst/>
+          </a:prstGeom>
+        </p:spPr>
+      </p:pic>
+      <p:sp>
+        <p:nvSpPr>
+          <p:cNvPr id="10" name="Rectangle: Rounded Corners 9" descr="Rectangle highlighting the collection_date_sam, geo_loc_name_sam, and collected_by columns will be shown larger in the next image. ">
+            <a:extLst>
+              <a:ext uri="{FF2B5EF4-FFF2-40B4-BE49-F238E27FC236}">
+                <a16:creationId xmlns:a16="http://schemas.microsoft.com/office/drawing/2014/main" id="{DDCBB0AC-C34E-47C3-8CA6-1F966EB2100D}"/>
+              </a:ext>
+            </a:extLst>
+          </p:cNvPr>
+          <p:cNvSpPr/>
+          <p:nvPr/>
+        </p:nvSpPr>
+        <p:spPr>
+          <a:xfrm>
+            <a:off x="7460210" y="1822753"/>
+            <a:ext cx="2955636" cy="1655730"/>
+          </a:xfrm>
+          <a:prstGeom prst="roundRect">
+            <a:avLst/>
+          </a:prstGeom>
+          <a:noFill/>
+          <a:ln w="57150">
+            <a:solidFill>
+              <a:schemeClr val="accent1">
+                <a:lumMod val="60000"/>
+                <a:lumOff val="40000"/>
+              </a:schemeClr>
+            </a:solidFill>
+          </a:ln>
+        </p:spPr>
+        <p:style>
+          <a:lnRef idx="2">
+            <a:schemeClr val="accent1">
+              <a:shade val="50000"/>
+            </a:schemeClr>
+          </a:lnRef>
+          <a:fillRef idx="1">
+            <a:schemeClr val="accent1"/>
+          </a:fillRef>
+          <a:effectRef idx="0">
+            <a:schemeClr val="accent1"/>
+          </a:effectRef>
+          <a:fontRef idx="minor">
+            <a:schemeClr val="lt1"/>
+          </a:fontRef>
+        </p:style>
+        <p:txBody>
+          <a:bodyPr rtlCol="0" anchor="ctr"/>
+          <a:lstStyle/>
+          <a:p>
+            <a:pPr algn="ctr"/>
+            <a:endParaRPr lang="en-US"/>
+          </a:p>
+        </p:txBody>
+      </p:sp>
+      <p:pic>
+        <p:nvPicPr>
+          <p:cNvPr id="6" name="Picture 5" descr="Zoomed in image of the collection_date_sam, geo_loc_name_sam, and collected_by columns with multiple fields that have no value entered.">
+            <a:extLst>
+              <a:ext uri="{FF2B5EF4-FFF2-40B4-BE49-F238E27FC236}">
+                <a16:creationId xmlns:a16="http://schemas.microsoft.com/office/drawing/2014/main" id="{4E931BEA-801E-4E14-9B70-8019850C58B5}"/>
+              </a:ext>
+              <a:ext uri="{C183D7F6-B498-43B3-948B-1728B52AA6E4}">
+                <adec:decorative xmlns:adec="http://schemas.microsoft.com/office/drawing/2017/decorative" val="0"/>
+              </a:ext>
+            </a:extLst>
+          </p:cNvPr>
+          <p:cNvPicPr>
+            <a:picLocks noChangeAspect="1"/>
+          </p:cNvPicPr>
+          <p:nvPr/>
+        </p:nvPicPr>
+        <p:blipFill>
+          <a:blip r:embed="rId3"/>
+          <a:stretch>
+            <a:fillRect/>
+          </a:stretch>
+        </p:blipFill>
+        <p:spPr>
+          <a:xfrm>
+            <a:off x="6166638" y="3523443"/>
+            <a:ext cx="4943475" cy="2790825"/>
+          </a:xfrm>
+          <a:prstGeom prst="rect">
+            <a:avLst/>
+          </a:prstGeom>
+        </p:spPr>
+      </p:pic>
+      <p:cxnSp>
+        <p:nvCxnSpPr>
+          <p:cNvPr id="8" name="Straight Arrow Connector 7" descr="Arrow from the query results to the zoomed in image of some of the columns.">
+            <a:extLst>
+              <a:ext uri="{FF2B5EF4-FFF2-40B4-BE49-F238E27FC236}">
+                <a16:creationId xmlns:a16="http://schemas.microsoft.com/office/drawing/2014/main" id="{35630E6B-83E0-42BE-9E96-529A6DF8EF72}"/>
+              </a:ext>
+            </a:extLst>
+          </p:cNvPr>
+          <p:cNvCxnSpPr>
+            <a:cxnSpLocks/>
+          </p:cNvCxnSpPr>
+          <p:nvPr/>
+        </p:nvCxnSpPr>
+        <p:spPr>
+          <a:xfrm flipH="1">
+            <a:off x="9099870" y="3159760"/>
+            <a:ext cx="118021" cy="1723198"/>
+          </a:xfrm>
+          <a:prstGeom prst="straightConnector1">
+            <a:avLst/>
+          </a:prstGeom>
+          <a:ln w="57150">
+            <a:solidFill>
+              <a:schemeClr val="accent1">
+                <a:lumMod val="60000"/>
+                <a:lumOff val="40000"/>
+              </a:schemeClr>
+            </a:solidFill>
+            <a:tailEnd type="triangle"/>
+          </a:ln>
+        </p:spPr>
+        <p:style>
+          <a:lnRef idx="1">
+            <a:schemeClr val="accent1"/>
+          </a:lnRef>
+          <a:fillRef idx="0">
+            <a:schemeClr val="accent1"/>
+          </a:fillRef>
+          <a:effectRef idx="0">
+            <a:schemeClr val="accent1"/>
+          </a:effectRef>
+          <a:fontRef idx="minor">
+            <a:schemeClr val="tx1"/>
+          </a:fontRef>
+        </p:style>
+      </p:cxnSp>
+    </p:spTree>
+    <p:extLst>
+      <p:ext uri="{BB962C8B-B14F-4D97-AF65-F5344CB8AC3E}">
+        <p14:creationId xmlns:p14="http://schemas.microsoft.com/office/powerpoint/2010/main" val="2013345920"/>
+      </p:ext>
+    </p:extLst>
+  </p:cSld>
+  <p:clrMapOvr>
+    <a:masterClrMapping/>
+  </p:clrMapOvr>
+</p:sld>
+</file>
+
+<file path=ppt/slides/slide37.xml><?xml version="1.0" encoding="utf-8"?>
+<p:sld xmlns:a="http://schemas.openxmlformats.org/drawingml/2006/main" xmlns:r="http://schemas.openxmlformats.org/officeDocument/2006/relationships" xmlns:p="http://schemas.openxmlformats.org/presentationml/2006/main">
+  <p:cSld>
+    <p:spTree>
+      <p:nvGrpSpPr>
+        <p:cNvPr id="1" name=""/>
+        <p:cNvGrpSpPr/>
+        <p:nvPr/>
+      </p:nvGrpSpPr>
+      <p:grpSpPr>
+        <a:xfrm>
+          <a:off x="0" y="0"/>
+          <a:ext cx="0" cy="0"/>
+          <a:chOff x="0" y="0"/>
+          <a:chExt cx="0" cy="0"/>
+        </a:xfrm>
+      </p:grpSpPr>
+      <p:sp>
+        <p:nvSpPr>
+          <p:cNvPr id="2" name="Title 1">
+            <a:extLst>
+              <a:ext uri="{FF2B5EF4-FFF2-40B4-BE49-F238E27FC236}">
+                <a16:creationId xmlns:a16="http://schemas.microsoft.com/office/drawing/2014/main" id="{7AF327E2-2DC1-4454-9B9A-A2C66B75D0D7}"/>
+              </a:ext>
+            </a:extLst>
+          </p:cNvPr>
+          <p:cNvSpPr>
+            <a:spLocks noGrp="1"/>
+          </p:cNvSpPr>
+          <p:nvPr>
+            <p:ph type="title"/>
+          </p:nvPr>
+        </p:nvSpPr>
+        <p:spPr/>
+        <p:txBody>
+          <a:bodyPr/>
+          <a:lstStyle/>
+          <a:p>
+            <a:r>
+              <a:rPr lang="en-US" dirty="0"/>
+              <a:t>Searching in </a:t>
+            </a:r>
+            <a:r>
+              <a:rPr lang="en-US" dirty="0" err="1"/>
+              <a:t>BigQuery</a:t>
+            </a:r>
+            <a:endParaRPr lang="en-US" dirty="0"/>
+          </a:p>
+        </p:txBody>
+      </p:sp>
+      <p:sp>
+        <p:nvSpPr>
+          <p:cNvPr id="4" name="Text Placeholder 3">
+            <a:extLst>
+              <a:ext uri="{FF2B5EF4-FFF2-40B4-BE49-F238E27FC236}">
+                <a16:creationId xmlns:a16="http://schemas.microsoft.com/office/drawing/2014/main" id="{4B193414-6822-4DF2-B6E0-E96F2360C0A2}"/>
+              </a:ext>
+            </a:extLst>
+          </p:cNvPr>
+          <p:cNvSpPr>
+            <a:spLocks noGrp="1"/>
+          </p:cNvSpPr>
+          <p:nvPr>
+            <p:ph idx="1"/>
+          </p:nvPr>
+        </p:nvSpPr>
+        <p:spPr/>
+        <p:txBody>
+          <a:bodyPr/>
+          <a:lstStyle/>
+          <a:p>
+            <a:pPr marL="0" indent="0">
+              <a:buNone/>
+            </a:pPr>
+            <a:r>
+              <a:rPr lang="en-US" dirty="0"/>
+              <a:t>The last query was part of this NCBI Minute webinar on using </a:t>
+            </a:r>
+            <a:r>
+              <a:rPr lang="en-US" dirty="0" err="1"/>
+              <a:t>BigQuery</a:t>
+            </a:r>
+            <a:endParaRPr lang="en-US" dirty="0"/>
+          </a:p>
+          <a:p>
+            <a:pPr marL="0" indent="0">
+              <a:buNone/>
+            </a:pPr>
+            <a:r>
+              <a:rPr lang="en-US" dirty="0">
+                <a:hlinkClick r:id="rId2"/>
+              </a:rPr>
+              <a:t>https://www.youtube.com/watch?v=DkNz-RCCm-M</a:t>
+            </a:r>
+            <a:endParaRPr lang="en-US" dirty="0"/>
+          </a:p>
+          <a:p>
+            <a:pPr marL="0" indent="0">
+              <a:buNone/>
+            </a:pPr>
+            <a:endParaRPr lang="en-US" dirty="0"/>
+          </a:p>
+          <a:p>
+            <a:pPr marL="0" indent="0">
+              <a:buNone/>
+            </a:pPr>
+            <a:r>
+              <a:rPr lang="en-US" dirty="0"/>
+              <a:t>The NCBI YouTube channel has additional videos on many topics that range in length from a few minutes to over an hour long.</a:t>
+            </a:r>
+          </a:p>
+          <a:p>
+            <a:pPr marL="0" indent="0">
+              <a:buNone/>
+            </a:pPr>
+            <a:r>
+              <a:rPr lang="en-US" dirty="0">
+                <a:hlinkClick r:id="rId3"/>
+              </a:rPr>
+              <a:t>https://www.youtube.com/channel/UCvJHVo5xGSKejBbBj0A5AyQ</a:t>
+            </a:r>
+            <a:endParaRPr lang="en-US" dirty="0"/>
+          </a:p>
+          <a:p>
+            <a:endParaRPr lang="en-US" dirty="0"/>
+          </a:p>
+        </p:txBody>
+      </p:sp>
+    </p:spTree>
+    <p:extLst>
+      <p:ext uri="{BB962C8B-B14F-4D97-AF65-F5344CB8AC3E}">
+        <p14:creationId xmlns:p14="http://schemas.microsoft.com/office/powerpoint/2010/main" val="2181701193"/>
+      </p:ext>
+    </p:extLst>
+  </p:cSld>
+  <p:clrMapOvr>
+    <a:masterClrMapping/>
+  </p:clrMapOvr>
+</p:sld>
+</file>
+
+<file path=ppt/slides/slide38.xml><?xml version="1.0" encoding="utf-8"?>
+<p:sld xmlns:a="http://schemas.openxmlformats.org/drawingml/2006/main" xmlns:r="http://schemas.openxmlformats.org/officeDocument/2006/relationships" xmlns:p="http://schemas.openxmlformats.org/presentationml/2006/main">
+  <p:cSld>
+    <p:spTree>
+      <p:nvGrpSpPr>
+        <p:cNvPr id="1" name=""/>
+        <p:cNvGrpSpPr/>
+        <p:nvPr/>
+      </p:nvGrpSpPr>
+      <p:grpSpPr>
+        <a:xfrm>
+          <a:off x="0" y="0"/>
+          <a:ext cx="0" cy="0"/>
+          <a:chOff x="0" y="0"/>
+          <a:chExt cx="0" cy="0"/>
+        </a:xfrm>
+      </p:grpSpPr>
+      <p:sp>
+        <p:nvSpPr>
+          <p:cNvPr id="2" name="Title 1">
+            <a:extLst>
+              <a:ext uri="{FF2B5EF4-FFF2-40B4-BE49-F238E27FC236}">
+                <a16:creationId xmlns:a16="http://schemas.microsoft.com/office/drawing/2014/main" id="{941701D6-45C2-4F9D-99D7-6181AED3A748}"/>
+              </a:ext>
+            </a:extLst>
+          </p:cNvPr>
+          <p:cNvSpPr>
+            <a:spLocks noGrp="1"/>
+          </p:cNvSpPr>
+          <p:nvPr>
+            <p:ph type="title"/>
+          </p:nvPr>
+        </p:nvSpPr>
+        <p:spPr/>
+        <p:txBody>
+          <a:bodyPr/>
+          <a:lstStyle/>
+          <a:p>
+            <a:r>
+              <a:rPr lang="en-US" dirty="0"/>
+              <a:t>Review</a:t>
+            </a:r>
+          </a:p>
+        </p:txBody>
+      </p:sp>
+      <p:sp>
+        <p:nvSpPr>
+          <p:cNvPr id="3" name="Content Placeholder 2">
+            <a:extLst>
+              <a:ext uri="{FF2B5EF4-FFF2-40B4-BE49-F238E27FC236}">
+                <a16:creationId xmlns:a16="http://schemas.microsoft.com/office/drawing/2014/main" id="{60CF8D11-E6A4-4AF4-8A2B-DF3F2B12A92E}"/>
+              </a:ext>
+            </a:extLst>
+          </p:cNvPr>
+          <p:cNvSpPr>
+            <a:spLocks noGrp="1"/>
+          </p:cNvSpPr>
+          <p:nvPr>
+            <p:ph idx="1"/>
+          </p:nvPr>
+        </p:nvSpPr>
+        <p:spPr/>
+        <p:txBody>
+          <a:bodyPr/>
+          <a:lstStyle/>
+          <a:p>
+            <a:r>
+              <a:rPr lang="en-US" dirty="0" err="1"/>
+              <a:t>BigQuery</a:t>
+            </a:r>
+            <a:r>
+              <a:rPr lang="en-US" dirty="0"/>
+              <a:t> allows for SQL searches of large data sets quickly.</a:t>
+            </a:r>
+          </a:p>
+          <a:p>
+            <a:r>
+              <a:rPr lang="en-US" dirty="0" err="1"/>
+              <a:t>BigQuery</a:t>
+            </a:r>
+            <a:r>
+              <a:rPr lang="en-US" dirty="0"/>
+              <a:t> can be used to search the publicly accessible SRA metadata using SQL searches.</a:t>
+            </a:r>
+          </a:p>
+          <a:p>
+            <a:r>
+              <a:rPr lang="en-US" dirty="0"/>
+              <a:t>SRA has generated taxonomy data using the SRA Taxonomy Analysis Tool (STAT) that can be used to find the organism content of runs in SRA.</a:t>
+            </a:r>
+          </a:p>
+          <a:p>
+            <a:pPr marL="0" indent="0">
+              <a:buNone/>
+            </a:pPr>
+            <a:endParaRPr lang="en-US" dirty="0"/>
+          </a:p>
+        </p:txBody>
+      </p:sp>
+    </p:spTree>
+    <p:extLst>
+      <p:ext uri="{BB962C8B-B14F-4D97-AF65-F5344CB8AC3E}">
+        <p14:creationId xmlns:p14="http://schemas.microsoft.com/office/powerpoint/2010/main" val="1096524548"/>
+      </p:ext>
+    </p:extLst>
+  </p:cSld>
+  <p:clrMapOvr>
+    <a:masterClrMapping/>
+  </p:clrMapOvr>
+</p:sld>
+</file>
+
+<file path=ppt/slides/slide39.xml><?xml version="1.0" encoding="utf-8"?>
+<p:sld xmlns:a="http://schemas.openxmlformats.org/drawingml/2006/main" xmlns:r="http://schemas.openxmlformats.org/officeDocument/2006/relationships" xmlns:p="http://schemas.openxmlformats.org/presentationml/2006/main">
+  <p:cSld>
+    <p:spTree>
+      <p:nvGrpSpPr>
+        <p:cNvPr id="1" name=""/>
+        <p:cNvGrpSpPr/>
+        <p:nvPr/>
+      </p:nvGrpSpPr>
+      <p:grpSpPr>
+        <a:xfrm>
+          <a:off x="0" y="0"/>
+          <a:ext cx="0" cy="0"/>
+          <a:chOff x="0" y="0"/>
+          <a:chExt cx="0" cy="0"/>
+        </a:xfrm>
+      </p:grpSpPr>
+      <p:sp>
+        <p:nvSpPr>
+          <p:cNvPr id="2" name="Title 1">
+            <a:extLst>
+              <a:ext uri="{FF2B5EF4-FFF2-40B4-BE49-F238E27FC236}">
+                <a16:creationId xmlns:a16="http://schemas.microsoft.com/office/drawing/2014/main" id="{31D3A431-1FCD-42B4-BFAE-50DEB8BF0BB8}"/>
+              </a:ext>
+            </a:extLst>
+          </p:cNvPr>
+          <p:cNvSpPr>
+            <a:spLocks noGrp="1"/>
+          </p:cNvSpPr>
+          <p:nvPr>
+            <p:ph type="title"/>
+          </p:nvPr>
+        </p:nvSpPr>
+        <p:spPr/>
+        <p:txBody>
+          <a:bodyPr/>
+          <a:lstStyle/>
+          <a:p>
+            <a:r>
+              <a:rPr lang="en-US" dirty="0"/>
+              <a:t>Additional Resources</a:t>
+            </a:r>
+          </a:p>
+        </p:txBody>
+      </p:sp>
+      <p:sp>
+        <p:nvSpPr>
+          <p:cNvPr id="3" name="Content Placeholder 2">
+            <a:extLst>
+              <a:ext uri="{FF2B5EF4-FFF2-40B4-BE49-F238E27FC236}">
+                <a16:creationId xmlns:a16="http://schemas.microsoft.com/office/drawing/2014/main" id="{DE747D40-1C83-49AB-A60D-506A9CA3701F}"/>
+              </a:ext>
+            </a:extLst>
+          </p:cNvPr>
+          <p:cNvSpPr>
+            <a:spLocks noGrp="1"/>
+          </p:cNvSpPr>
+          <p:nvPr>
+            <p:ph idx="1"/>
+          </p:nvPr>
+        </p:nvSpPr>
+        <p:spPr/>
+        <p:txBody>
+          <a:bodyPr>
+            <a:normAutofit/>
+          </a:bodyPr>
+          <a:lstStyle/>
+          <a:p>
+            <a:r>
+              <a:rPr lang="en-US" sz="2400" dirty="0"/>
+              <a:t>STAT Description </a:t>
+            </a:r>
+            <a:r>
+              <a:rPr lang="en-US" sz="2400" dirty="0">
+                <a:hlinkClick r:id="rId2"/>
+              </a:rPr>
+              <a:t>https://www.ncbi.nlm.nih.gov/sra/docs/sra-taxonomy-analysis-tool/</a:t>
+            </a:r>
+            <a:endParaRPr lang="en-US" sz="2400" dirty="0"/>
+          </a:p>
+          <a:p>
+            <a:r>
+              <a:rPr lang="en-US" sz="2400" dirty="0"/>
+              <a:t>Additional Examples for SRA Searches in </a:t>
+            </a:r>
+            <a:r>
+              <a:rPr lang="en-US" sz="2400" dirty="0" err="1"/>
+              <a:t>BigQuery</a:t>
+            </a:r>
+            <a:r>
+              <a:rPr lang="en-US" sz="2400" dirty="0"/>
+              <a:t> </a:t>
+            </a:r>
+            <a:r>
+              <a:rPr lang="en-US" sz="2400" dirty="0">
+                <a:hlinkClick r:id="rId3"/>
+              </a:rPr>
+              <a:t>https://www.ncbi.nlm.nih.gov/sra/docs/sra-bigquery-examples/</a:t>
+            </a:r>
+            <a:endParaRPr lang="en-US" sz="2400" dirty="0"/>
+          </a:p>
+          <a:p>
+            <a:r>
+              <a:rPr lang="en-US" sz="2400" dirty="0"/>
+              <a:t>Google </a:t>
+            </a:r>
+            <a:r>
+              <a:rPr lang="en-US" sz="2400" dirty="0" err="1"/>
+              <a:t>Quickstart</a:t>
+            </a:r>
+            <a:r>
+              <a:rPr lang="en-US" sz="2400" dirty="0"/>
+              <a:t> for </a:t>
+            </a:r>
+            <a:r>
+              <a:rPr lang="en-US" sz="2400" dirty="0" err="1"/>
+              <a:t>BigQuery</a:t>
+            </a:r>
+            <a:r>
+              <a:rPr lang="en-US" sz="2400" dirty="0"/>
+              <a:t> </a:t>
+            </a:r>
+            <a:r>
+              <a:rPr lang="en-US" sz="2400" dirty="0">
+                <a:hlinkClick r:id="rId4"/>
+              </a:rPr>
+              <a:t>https://cloud.google.com/bigquery/docs/quickstarts/quickstart-web-ui</a:t>
+            </a:r>
+            <a:endParaRPr lang="en-US" sz="2400" dirty="0"/>
+          </a:p>
+          <a:p>
+            <a:r>
+              <a:rPr lang="en-US" sz="2400" dirty="0"/>
+              <a:t>A video from Google that looks at nested data in </a:t>
+            </a:r>
+            <a:r>
+              <a:rPr lang="en-US" sz="2400" dirty="0" err="1"/>
+              <a:t>BigQuery</a:t>
+            </a:r>
+            <a:r>
+              <a:rPr lang="en-US" sz="2400" dirty="0"/>
+              <a:t> </a:t>
+            </a:r>
+            <a:r>
+              <a:rPr lang="en-US" sz="2400" dirty="0">
+                <a:hlinkClick r:id="rId5"/>
+              </a:rPr>
+              <a:t>https://www.youtube.com/watch?v=STo98QUKDS8</a:t>
+            </a:r>
+            <a:endParaRPr lang="en-US" sz="2400" dirty="0"/>
+          </a:p>
+          <a:p>
+            <a:endParaRPr lang="en-US" dirty="0"/>
+          </a:p>
+        </p:txBody>
+      </p:sp>
+    </p:spTree>
+    <p:extLst>
+      <p:ext uri="{BB962C8B-B14F-4D97-AF65-F5344CB8AC3E}">
+        <p14:creationId xmlns:p14="http://schemas.microsoft.com/office/powerpoint/2010/main" val="2930822108"/>
       </p:ext>
     </p:extLst>
   </p:cSld>
